--- a/state_diagram.pptx
+++ b/state_diagram.pptx
@@ -129,7 +129,7 @@
           <p:cNvPr id="2" name="Title 1">
             <a:extLst>
               <a:ext uri="{FF2B5EF4-FFF2-40B4-BE49-F238E27FC236}">
-                <a16:creationId xmlns:a16="http://schemas.microsoft.com/office/drawing/2014/main" id="{AE0AEF59-4DF2-DE40-B514-C13A49533694}"/>
+                <a16:creationId xmlns:a16="http://schemas.microsoft.com/office/drawing/2014/main" id="{B0B0463F-14F0-E841-ACB9-6FF72761E09D}"/>
               </a:ext>
             </a:extLst>
           </p:cNvPr>
@@ -166,7 +166,7 @@
           <p:cNvPr id="3" name="Subtitle 2">
             <a:extLst>
               <a:ext uri="{FF2B5EF4-FFF2-40B4-BE49-F238E27FC236}">
-                <a16:creationId xmlns:a16="http://schemas.microsoft.com/office/drawing/2014/main" id="{B96B185E-F6D3-0E4C-876D-EF1107ED1F98}"/>
+                <a16:creationId xmlns:a16="http://schemas.microsoft.com/office/drawing/2014/main" id="{9B76ECEE-A6EE-EF4A-AC59-350A3DB6E4AC}"/>
               </a:ext>
             </a:extLst>
           </p:cNvPr>
@@ -236,7 +236,7 @@
           <p:cNvPr id="4" name="Date Placeholder 3">
             <a:extLst>
               <a:ext uri="{FF2B5EF4-FFF2-40B4-BE49-F238E27FC236}">
-                <a16:creationId xmlns:a16="http://schemas.microsoft.com/office/drawing/2014/main" id="{0997FA33-0130-FF43-9F35-EDF31A447599}"/>
+                <a16:creationId xmlns:a16="http://schemas.microsoft.com/office/drawing/2014/main" id="{94245EC5-0BF0-444E-B38D-BC574F9E5A8D}"/>
               </a:ext>
             </a:extLst>
           </p:cNvPr>
@@ -252,9 +252,9 @@
           <a:bodyPr/>
           <a:lstStyle/>
           <a:p>
-            <a:fld id="{AC83C8DD-C0A3-0D4E-8067-58F6D8CF01B5}" type="datetimeFigureOut">
+            <a:fld id="{F165488E-10C7-6D4D-A6B9-70E1BF276EEB}" type="datetimeFigureOut">
               <a:rPr lang="en-US" smtClean="0"/>
-              <a:t>11/14/19</a:t>
+              <a:t>11/23/19</a:t>
             </a:fld>
             <a:endParaRPr lang="en-US"/>
           </a:p>
@@ -265,7 +265,7 @@
           <p:cNvPr id="5" name="Footer Placeholder 4">
             <a:extLst>
               <a:ext uri="{FF2B5EF4-FFF2-40B4-BE49-F238E27FC236}">
-                <a16:creationId xmlns:a16="http://schemas.microsoft.com/office/drawing/2014/main" id="{BC79A073-E99E-8546-A4EB-9D257D1272A0}"/>
+                <a16:creationId xmlns:a16="http://schemas.microsoft.com/office/drawing/2014/main" id="{85D599BA-5A76-4B49-AA23-E348B09878CE}"/>
               </a:ext>
             </a:extLst>
           </p:cNvPr>
@@ -290,7 +290,7 @@
           <p:cNvPr id="6" name="Slide Number Placeholder 5">
             <a:extLst>
               <a:ext uri="{FF2B5EF4-FFF2-40B4-BE49-F238E27FC236}">
-                <a16:creationId xmlns:a16="http://schemas.microsoft.com/office/drawing/2014/main" id="{4EA287FC-7A10-D84A-8796-57269B13757C}"/>
+                <a16:creationId xmlns:a16="http://schemas.microsoft.com/office/drawing/2014/main" id="{F469672A-A7FC-E74F-872F-D1D2E76290FC}"/>
               </a:ext>
             </a:extLst>
           </p:cNvPr>
@@ -306,7 +306,7 @@
           <a:bodyPr/>
           <a:lstStyle/>
           <a:p>
-            <a:fld id="{BB536F20-F266-B542-AB1E-7DC5BBE24A6A}" type="slidenum">
+            <a:fld id="{884F858A-B885-E545-8956-D53BE6088422}" type="slidenum">
               <a:rPr lang="en-US" smtClean="0"/>
               <a:t>‹#›</a:t>
             </a:fld>
@@ -317,7 +317,7 @@
     </p:spTree>
     <p:extLst>
       <p:ext uri="{BB962C8B-B14F-4D97-AF65-F5344CB8AC3E}">
-        <p14:creationId xmlns:p14="http://schemas.microsoft.com/office/powerpoint/2010/main" val="3563796783"/>
+        <p14:creationId xmlns:p14="http://schemas.microsoft.com/office/powerpoint/2010/main" val="1841885447"/>
       </p:ext>
     </p:extLst>
   </p:cSld>
@@ -349,7 +349,7 @@
           <p:cNvPr id="2" name="Title 1">
             <a:extLst>
               <a:ext uri="{FF2B5EF4-FFF2-40B4-BE49-F238E27FC236}">
-                <a16:creationId xmlns:a16="http://schemas.microsoft.com/office/drawing/2014/main" id="{BD135D36-6D1F-A54D-A289-6084589882B8}"/>
+                <a16:creationId xmlns:a16="http://schemas.microsoft.com/office/drawing/2014/main" id="{2139BA54-D112-4B4C-A375-13D1FFA51EFF}"/>
               </a:ext>
             </a:extLst>
           </p:cNvPr>
@@ -377,7 +377,7 @@
           <p:cNvPr id="3" name="Vertical Text Placeholder 2">
             <a:extLst>
               <a:ext uri="{FF2B5EF4-FFF2-40B4-BE49-F238E27FC236}">
-                <a16:creationId xmlns:a16="http://schemas.microsoft.com/office/drawing/2014/main" id="{DCD70140-1B07-1E46-BB78-41D916E45473}"/>
+                <a16:creationId xmlns:a16="http://schemas.microsoft.com/office/drawing/2014/main" id="{DF34F16E-6350-7848-AC93-8D8E4C2D53C1}"/>
               </a:ext>
             </a:extLst>
           </p:cNvPr>
@@ -434,7 +434,7 @@
           <p:cNvPr id="4" name="Date Placeholder 3">
             <a:extLst>
               <a:ext uri="{FF2B5EF4-FFF2-40B4-BE49-F238E27FC236}">
-                <a16:creationId xmlns:a16="http://schemas.microsoft.com/office/drawing/2014/main" id="{4CF0169D-0804-A047-A0B4-C23931F1BBFC}"/>
+                <a16:creationId xmlns:a16="http://schemas.microsoft.com/office/drawing/2014/main" id="{73242312-93E7-0740-9AE5-3D39AB7DFF2A}"/>
               </a:ext>
             </a:extLst>
           </p:cNvPr>
@@ -450,9 +450,9 @@
           <a:bodyPr/>
           <a:lstStyle/>
           <a:p>
-            <a:fld id="{AC83C8DD-C0A3-0D4E-8067-58F6D8CF01B5}" type="datetimeFigureOut">
+            <a:fld id="{F165488E-10C7-6D4D-A6B9-70E1BF276EEB}" type="datetimeFigureOut">
               <a:rPr lang="en-US" smtClean="0"/>
-              <a:t>11/14/19</a:t>
+              <a:t>11/23/19</a:t>
             </a:fld>
             <a:endParaRPr lang="en-US"/>
           </a:p>
@@ -463,7 +463,7 @@
           <p:cNvPr id="5" name="Footer Placeholder 4">
             <a:extLst>
               <a:ext uri="{FF2B5EF4-FFF2-40B4-BE49-F238E27FC236}">
-                <a16:creationId xmlns:a16="http://schemas.microsoft.com/office/drawing/2014/main" id="{7C28B999-B609-E645-A6E5-B4CE973505CD}"/>
+                <a16:creationId xmlns:a16="http://schemas.microsoft.com/office/drawing/2014/main" id="{405929AB-46AF-9748-ABE4-2E75F3978831}"/>
               </a:ext>
             </a:extLst>
           </p:cNvPr>
@@ -488,7 +488,7 @@
           <p:cNvPr id="6" name="Slide Number Placeholder 5">
             <a:extLst>
               <a:ext uri="{FF2B5EF4-FFF2-40B4-BE49-F238E27FC236}">
-                <a16:creationId xmlns:a16="http://schemas.microsoft.com/office/drawing/2014/main" id="{85A411CF-FD84-EC4B-9F29-62D15B998EAE}"/>
+                <a16:creationId xmlns:a16="http://schemas.microsoft.com/office/drawing/2014/main" id="{64395D1B-284F-A04B-9770-E372BCE134A1}"/>
               </a:ext>
             </a:extLst>
           </p:cNvPr>
@@ -504,7 +504,7 @@
           <a:bodyPr/>
           <a:lstStyle/>
           <a:p>
-            <a:fld id="{BB536F20-F266-B542-AB1E-7DC5BBE24A6A}" type="slidenum">
+            <a:fld id="{884F858A-B885-E545-8956-D53BE6088422}" type="slidenum">
               <a:rPr lang="en-US" smtClean="0"/>
               <a:t>‹#›</a:t>
             </a:fld>
@@ -515,7 +515,7 @@
     </p:spTree>
     <p:extLst>
       <p:ext uri="{BB962C8B-B14F-4D97-AF65-F5344CB8AC3E}">
-        <p14:creationId xmlns:p14="http://schemas.microsoft.com/office/powerpoint/2010/main" val="1785752480"/>
+        <p14:creationId xmlns:p14="http://schemas.microsoft.com/office/powerpoint/2010/main" val="3067921414"/>
       </p:ext>
     </p:extLst>
   </p:cSld>
@@ -547,7 +547,7 @@
           <p:cNvPr id="2" name="Vertical Title 1">
             <a:extLst>
               <a:ext uri="{FF2B5EF4-FFF2-40B4-BE49-F238E27FC236}">
-                <a16:creationId xmlns:a16="http://schemas.microsoft.com/office/drawing/2014/main" id="{25BA2118-A7D3-8640-AE8F-B0F6580E5803}"/>
+                <a16:creationId xmlns:a16="http://schemas.microsoft.com/office/drawing/2014/main" id="{81A7B548-6C61-0342-A951-C5BCEBA1953F}"/>
               </a:ext>
             </a:extLst>
           </p:cNvPr>
@@ -580,7 +580,7 @@
           <p:cNvPr id="3" name="Vertical Text Placeholder 2">
             <a:extLst>
               <a:ext uri="{FF2B5EF4-FFF2-40B4-BE49-F238E27FC236}">
-                <a16:creationId xmlns:a16="http://schemas.microsoft.com/office/drawing/2014/main" id="{EAF26A7C-2EC7-1945-9900-E55164C6C3A4}"/>
+                <a16:creationId xmlns:a16="http://schemas.microsoft.com/office/drawing/2014/main" id="{A6D562F4-D005-4D44-A33C-72453737EB77}"/>
               </a:ext>
             </a:extLst>
           </p:cNvPr>
@@ -642,7 +642,7 @@
           <p:cNvPr id="4" name="Date Placeholder 3">
             <a:extLst>
               <a:ext uri="{FF2B5EF4-FFF2-40B4-BE49-F238E27FC236}">
-                <a16:creationId xmlns:a16="http://schemas.microsoft.com/office/drawing/2014/main" id="{860FAEAF-91C5-CC45-8A1B-D4871F0566FA}"/>
+                <a16:creationId xmlns:a16="http://schemas.microsoft.com/office/drawing/2014/main" id="{123BBE3A-068F-BC45-B9AC-7BEE8685F71E}"/>
               </a:ext>
             </a:extLst>
           </p:cNvPr>
@@ -658,9 +658,9 @@
           <a:bodyPr/>
           <a:lstStyle/>
           <a:p>
-            <a:fld id="{AC83C8DD-C0A3-0D4E-8067-58F6D8CF01B5}" type="datetimeFigureOut">
+            <a:fld id="{F165488E-10C7-6D4D-A6B9-70E1BF276EEB}" type="datetimeFigureOut">
               <a:rPr lang="en-US" smtClean="0"/>
-              <a:t>11/14/19</a:t>
+              <a:t>11/23/19</a:t>
             </a:fld>
             <a:endParaRPr lang="en-US"/>
           </a:p>
@@ -671,7 +671,7 @@
           <p:cNvPr id="5" name="Footer Placeholder 4">
             <a:extLst>
               <a:ext uri="{FF2B5EF4-FFF2-40B4-BE49-F238E27FC236}">
-                <a16:creationId xmlns:a16="http://schemas.microsoft.com/office/drawing/2014/main" id="{5C274C6B-8C7E-8841-A7F7-6ABE6A03C51F}"/>
+                <a16:creationId xmlns:a16="http://schemas.microsoft.com/office/drawing/2014/main" id="{D11CCEAD-1335-324A-8D03-4C4F30DACC17}"/>
               </a:ext>
             </a:extLst>
           </p:cNvPr>
@@ -696,7 +696,7 @@
           <p:cNvPr id="6" name="Slide Number Placeholder 5">
             <a:extLst>
               <a:ext uri="{FF2B5EF4-FFF2-40B4-BE49-F238E27FC236}">
-                <a16:creationId xmlns:a16="http://schemas.microsoft.com/office/drawing/2014/main" id="{924B2C9E-2809-7640-9ED3-A83292DE43C0}"/>
+                <a16:creationId xmlns:a16="http://schemas.microsoft.com/office/drawing/2014/main" id="{C9461EDF-9B3C-F840-B9CB-02CA4D1B2A38}"/>
               </a:ext>
             </a:extLst>
           </p:cNvPr>
@@ -712,7 +712,7 @@
           <a:bodyPr/>
           <a:lstStyle/>
           <a:p>
-            <a:fld id="{BB536F20-F266-B542-AB1E-7DC5BBE24A6A}" type="slidenum">
+            <a:fld id="{884F858A-B885-E545-8956-D53BE6088422}" type="slidenum">
               <a:rPr lang="en-US" smtClean="0"/>
               <a:t>‹#›</a:t>
             </a:fld>
@@ -723,7 +723,7 @@
     </p:spTree>
     <p:extLst>
       <p:ext uri="{BB962C8B-B14F-4D97-AF65-F5344CB8AC3E}">
-        <p14:creationId xmlns:p14="http://schemas.microsoft.com/office/powerpoint/2010/main" val="753744045"/>
+        <p14:creationId xmlns:p14="http://schemas.microsoft.com/office/powerpoint/2010/main" val="3689334096"/>
       </p:ext>
     </p:extLst>
   </p:cSld>
@@ -755,7 +755,7 @@
           <p:cNvPr id="2" name="Title 1">
             <a:extLst>
               <a:ext uri="{FF2B5EF4-FFF2-40B4-BE49-F238E27FC236}">
-                <a16:creationId xmlns:a16="http://schemas.microsoft.com/office/drawing/2014/main" id="{6CD54B65-F162-514E-B197-9493DA9B0E9C}"/>
+                <a16:creationId xmlns:a16="http://schemas.microsoft.com/office/drawing/2014/main" id="{BCC91F3B-C214-4A44-B8D7-1821E82784C4}"/>
               </a:ext>
             </a:extLst>
           </p:cNvPr>
@@ -783,7 +783,7 @@
           <p:cNvPr id="3" name="Content Placeholder 2">
             <a:extLst>
               <a:ext uri="{FF2B5EF4-FFF2-40B4-BE49-F238E27FC236}">
-                <a16:creationId xmlns:a16="http://schemas.microsoft.com/office/drawing/2014/main" id="{8E2B9C60-1816-CC4B-9C17-8EBCF1B70CCF}"/>
+                <a16:creationId xmlns:a16="http://schemas.microsoft.com/office/drawing/2014/main" id="{D9A453F5-293D-6641-8E57-3E7A73F67ECF}"/>
               </a:ext>
             </a:extLst>
           </p:cNvPr>
@@ -840,7 +840,7 @@
           <p:cNvPr id="4" name="Date Placeholder 3">
             <a:extLst>
               <a:ext uri="{FF2B5EF4-FFF2-40B4-BE49-F238E27FC236}">
-                <a16:creationId xmlns:a16="http://schemas.microsoft.com/office/drawing/2014/main" id="{1AADD0FB-2576-9341-BDC6-555171FE1D19}"/>
+                <a16:creationId xmlns:a16="http://schemas.microsoft.com/office/drawing/2014/main" id="{819A9C16-C6CF-254B-8CB9-BEE63BEBAD06}"/>
               </a:ext>
             </a:extLst>
           </p:cNvPr>
@@ -856,9 +856,9 @@
           <a:bodyPr/>
           <a:lstStyle/>
           <a:p>
-            <a:fld id="{AC83C8DD-C0A3-0D4E-8067-58F6D8CF01B5}" type="datetimeFigureOut">
+            <a:fld id="{F165488E-10C7-6D4D-A6B9-70E1BF276EEB}" type="datetimeFigureOut">
               <a:rPr lang="en-US" smtClean="0"/>
-              <a:t>11/14/19</a:t>
+              <a:t>11/23/19</a:t>
             </a:fld>
             <a:endParaRPr lang="en-US"/>
           </a:p>
@@ -869,7 +869,7 @@
           <p:cNvPr id="5" name="Footer Placeholder 4">
             <a:extLst>
               <a:ext uri="{FF2B5EF4-FFF2-40B4-BE49-F238E27FC236}">
-                <a16:creationId xmlns:a16="http://schemas.microsoft.com/office/drawing/2014/main" id="{B09549E8-1CAC-374A-B5C1-8696FA251221}"/>
+                <a16:creationId xmlns:a16="http://schemas.microsoft.com/office/drawing/2014/main" id="{60E7B7C6-D2F7-5E47-8644-707CF675C9B3}"/>
               </a:ext>
             </a:extLst>
           </p:cNvPr>
@@ -894,7 +894,7 @@
           <p:cNvPr id="6" name="Slide Number Placeholder 5">
             <a:extLst>
               <a:ext uri="{FF2B5EF4-FFF2-40B4-BE49-F238E27FC236}">
-                <a16:creationId xmlns:a16="http://schemas.microsoft.com/office/drawing/2014/main" id="{D890D9B9-5D0B-F045-BAB1-D079F4561DA0}"/>
+                <a16:creationId xmlns:a16="http://schemas.microsoft.com/office/drawing/2014/main" id="{846D6A68-C95E-C74A-9CB6-E0C33BD4A2FF}"/>
               </a:ext>
             </a:extLst>
           </p:cNvPr>
@@ -910,7 +910,7 @@
           <a:bodyPr/>
           <a:lstStyle/>
           <a:p>
-            <a:fld id="{BB536F20-F266-B542-AB1E-7DC5BBE24A6A}" type="slidenum">
+            <a:fld id="{884F858A-B885-E545-8956-D53BE6088422}" type="slidenum">
               <a:rPr lang="en-US" smtClean="0"/>
               <a:t>‹#›</a:t>
             </a:fld>
@@ -921,7 +921,7 @@
     </p:spTree>
     <p:extLst>
       <p:ext uri="{BB962C8B-B14F-4D97-AF65-F5344CB8AC3E}">
-        <p14:creationId xmlns:p14="http://schemas.microsoft.com/office/powerpoint/2010/main" val="1087567388"/>
+        <p14:creationId xmlns:p14="http://schemas.microsoft.com/office/powerpoint/2010/main" val="3876098941"/>
       </p:ext>
     </p:extLst>
   </p:cSld>
@@ -953,7 +953,7 @@
           <p:cNvPr id="2" name="Title 1">
             <a:extLst>
               <a:ext uri="{FF2B5EF4-FFF2-40B4-BE49-F238E27FC236}">
-                <a16:creationId xmlns:a16="http://schemas.microsoft.com/office/drawing/2014/main" id="{C53B52CA-EF42-2943-BAA5-1053A3C9711E}"/>
+                <a16:creationId xmlns:a16="http://schemas.microsoft.com/office/drawing/2014/main" id="{835EA916-8B1A-AF41-A9D7-C8106FC80611}"/>
               </a:ext>
             </a:extLst>
           </p:cNvPr>
@@ -990,7 +990,7 @@
           <p:cNvPr id="3" name="Text Placeholder 2">
             <a:extLst>
               <a:ext uri="{FF2B5EF4-FFF2-40B4-BE49-F238E27FC236}">
-                <a16:creationId xmlns:a16="http://schemas.microsoft.com/office/drawing/2014/main" id="{9694C25F-6DDA-E848-8193-60F849D0D9DC}"/>
+                <a16:creationId xmlns:a16="http://schemas.microsoft.com/office/drawing/2014/main" id="{6AE9FB5C-EAD7-F949-828A-BF073951F045}"/>
               </a:ext>
             </a:extLst>
           </p:cNvPr>
@@ -1115,7 +1115,7 @@
           <p:cNvPr id="4" name="Date Placeholder 3">
             <a:extLst>
               <a:ext uri="{FF2B5EF4-FFF2-40B4-BE49-F238E27FC236}">
-                <a16:creationId xmlns:a16="http://schemas.microsoft.com/office/drawing/2014/main" id="{23C37926-AE54-C840-A5FB-CB2DADDC08EC}"/>
+                <a16:creationId xmlns:a16="http://schemas.microsoft.com/office/drawing/2014/main" id="{927CF5D3-DDB8-564E-BC0C-AB88F369AF47}"/>
               </a:ext>
             </a:extLst>
           </p:cNvPr>
@@ -1131,9 +1131,9 @@
           <a:bodyPr/>
           <a:lstStyle/>
           <a:p>
-            <a:fld id="{AC83C8DD-C0A3-0D4E-8067-58F6D8CF01B5}" type="datetimeFigureOut">
+            <a:fld id="{F165488E-10C7-6D4D-A6B9-70E1BF276EEB}" type="datetimeFigureOut">
               <a:rPr lang="en-US" smtClean="0"/>
-              <a:t>11/14/19</a:t>
+              <a:t>11/23/19</a:t>
             </a:fld>
             <a:endParaRPr lang="en-US"/>
           </a:p>
@@ -1144,7 +1144,7 @@
           <p:cNvPr id="5" name="Footer Placeholder 4">
             <a:extLst>
               <a:ext uri="{FF2B5EF4-FFF2-40B4-BE49-F238E27FC236}">
-                <a16:creationId xmlns:a16="http://schemas.microsoft.com/office/drawing/2014/main" id="{1C429AA5-130B-5B4F-802D-A1FFC7D4A61B}"/>
+                <a16:creationId xmlns:a16="http://schemas.microsoft.com/office/drawing/2014/main" id="{1CBC418F-0545-4D49-812B-DB767E0C1CA2}"/>
               </a:ext>
             </a:extLst>
           </p:cNvPr>
@@ -1169,7 +1169,7 @@
           <p:cNvPr id="6" name="Slide Number Placeholder 5">
             <a:extLst>
               <a:ext uri="{FF2B5EF4-FFF2-40B4-BE49-F238E27FC236}">
-                <a16:creationId xmlns:a16="http://schemas.microsoft.com/office/drawing/2014/main" id="{3259DEFA-CB77-E64A-8F91-2ACD0B70DA9E}"/>
+                <a16:creationId xmlns:a16="http://schemas.microsoft.com/office/drawing/2014/main" id="{B2920AED-372C-C547-9E92-990A72D80E2D}"/>
               </a:ext>
             </a:extLst>
           </p:cNvPr>
@@ -1185,7 +1185,7 @@
           <a:bodyPr/>
           <a:lstStyle/>
           <a:p>
-            <a:fld id="{BB536F20-F266-B542-AB1E-7DC5BBE24A6A}" type="slidenum">
+            <a:fld id="{884F858A-B885-E545-8956-D53BE6088422}" type="slidenum">
               <a:rPr lang="en-US" smtClean="0"/>
               <a:t>‹#›</a:t>
             </a:fld>
@@ -1196,7 +1196,7 @@
     </p:spTree>
     <p:extLst>
       <p:ext uri="{BB962C8B-B14F-4D97-AF65-F5344CB8AC3E}">
-        <p14:creationId xmlns:p14="http://schemas.microsoft.com/office/powerpoint/2010/main" val="1656436838"/>
+        <p14:creationId xmlns:p14="http://schemas.microsoft.com/office/powerpoint/2010/main" val="3481486551"/>
       </p:ext>
     </p:extLst>
   </p:cSld>
@@ -1228,7 +1228,7 @@
           <p:cNvPr id="2" name="Title 1">
             <a:extLst>
               <a:ext uri="{FF2B5EF4-FFF2-40B4-BE49-F238E27FC236}">
-                <a16:creationId xmlns:a16="http://schemas.microsoft.com/office/drawing/2014/main" id="{85D21D69-D60B-DF4D-9F47-E13A6918F393}"/>
+                <a16:creationId xmlns:a16="http://schemas.microsoft.com/office/drawing/2014/main" id="{E0D4ADF8-DD29-2B43-BD1D-8D38A6074E97}"/>
               </a:ext>
             </a:extLst>
           </p:cNvPr>
@@ -1256,7 +1256,7 @@
           <p:cNvPr id="3" name="Content Placeholder 2">
             <a:extLst>
               <a:ext uri="{FF2B5EF4-FFF2-40B4-BE49-F238E27FC236}">
-                <a16:creationId xmlns:a16="http://schemas.microsoft.com/office/drawing/2014/main" id="{17789DFC-5006-2D46-B6E5-662A7994B6AE}"/>
+                <a16:creationId xmlns:a16="http://schemas.microsoft.com/office/drawing/2014/main" id="{AF065F6F-5564-9842-A22A-441342404789}"/>
               </a:ext>
             </a:extLst>
           </p:cNvPr>
@@ -1318,7 +1318,7 @@
           <p:cNvPr id="4" name="Content Placeholder 3">
             <a:extLst>
               <a:ext uri="{FF2B5EF4-FFF2-40B4-BE49-F238E27FC236}">
-                <a16:creationId xmlns:a16="http://schemas.microsoft.com/office/drawing/2014/main" id="{33A6D628-07E7-9244-A990-52A92BC4902B}"/>
+                <a16:creationId xmlns:a16="http://schemas.microsoft.com/office/drawing/2014/main" id="{93C55081-231F-B34D-94EA-773406ACD497}"/>
               </a:ext>
             </a:extLst>
           </p:cNvPr>
@@ -1380,7 +1380,7 @@
           <p:cNvPr id="5" name="Date Placeholder 4">
             <a:extLst>
               <a:ext uri="{FF2B5EF4-FFF2-40B4-BE49-F238E27FC236}">
-                <a16:creationId xmlns:a16="http://schemas.microsoft.com/office/drawing/2014/main" id="{613740A3-6EA1-6A44-AC4F-2F80CEBA7A95}"/>
+                <a16:creationId xmlns:a16="http://schemas.microsoft.com/office/drawing/2014/main" id="{FD3AECA3-D0DB-9048-9B12-B0C995BC6543}"/>
               </a:ext>
             </a:extLst>
           </p:cNvPr>
@@ -1396,9 +1396,9 @@
           <a:bodyPr/>
           <a:lstStyle/>
           <a:p>
-            <a:fld id="{AC83C8DD-C0A3-0D4E-8067-58F6D8CF01B5}" type="datetimeFigureOut">
+            <a:fld id="{F165488E-10C7-6D4D-A6B9-70E1BF276EEB}" type="datetimeFigureOut">
               <a:rPr lang="en-US" smtClean="0"/>
-              <a:t>11/14/19</a:t>
+              <a:t>11/23/19</a:t>
             </a:fld>
             <a:endParaRPr lang="en-US"/>
           </a:p>
@@ -1409,7 +1409,7 @@
           <p:cNvPr id="6" name="Footer Placeholder 5">
             <a:extLst>
               <a:ext uri="{FF2B5EF4-FFF2-40B4-BE49-F238E27FC236}">
-                <a16:creationId xmlns:a16="http://schemas.microsoft.com/office/drawing/2014/main" id="{5CB837F3-93E0-3340-B815-887EBB2C4ACF}"/>
+                <a16:creationId xmlns:a16="http://schemas.microsoft.com/office/drawing/2014/main" id="{471291D0-3AE0-4341-A9BE-053F70291190}"/>
               </a:ext>
             </a:extLst>
           </p:cNvPr>
@@ -1434,7 +1434,7 @@
           <p:cNvPr id="7" name="Slide Number Placeholder 6">
             <a:extLst>
               <a:ext uri="{FF2B5EF4-FFF2-40B4-BE49-F238E27FC236}">
-                <a16:creationId xmlns:a16="http://schemas.microsoft.com/office/drawing/2014/main" id="{0EDDDB78-A841-B343-935E-C1867415ED94}"/>
+                <a16:creationId xmlns:a16="http://schemas.microsoft.com/office/drawing/2014/main" id="{E91F7834-3958-8146-B4B7-99B9CA48CC6F}"/>
               </a:ext>
             </a:extLst>
           </p:cNvPr>
@@ -1450,7 +1450,7 @@
           <a:bodyPr/>
           <a:lstStyle/>
           <a:p>
-            <a:fld id="{BB536F20-F266-B542-AB1E-7DC5BBE24A6A}" type="slidenum">
+            <a:fld id="{884F858A-B885-E545-8956-D53BE6088422}" type="slidenum">
               <a:rPr lang="en-US" smtClean="0"/>
               <a:t>‹#›</a:t>
             </a:fld>
@@ -1461,7 +1461,7 @@
     </p:spTree>
     <p:extLst>
       <p:ext uri="{BB962C8B-B14F-4D97-AF65-F5344CB8AC3E}">
-        <p14:creationId xmlns:p14="http://schemas.microsoft.com/office/powerpoint/2010/main" val="3549723274"/>
+        <p14:creationId xmlns:p14="http://schemas.microsoft.com/office/powerpoint/2010/main" val="3719956938"/>
       </p:ext>
     </p:extLst>
   </p:cSld>
@@ -1493,7 +1493,7 @@
           <p:cNvPr id="2" name="Title 1">
             <a:extLst>
               <a:ext uri="{FF2B5EF4-FFF2-40B4-BE49-F238E27FC236}">
-                <a16:creationId xmlns:a16="http://schemas.microsoft.com/office/drawing/2014/main" id="{6A12DB49-967A-0E47-8760-734564A8C779}"/>
+                <a16:creationId xmlns:a16="http://schemas.microsoft.com/office/drawing/2014/main" id="{D1306CE2-008A-F84E-B519-E8B6C024D70C}"/>
               </a:ext>
             </a:extLst>
           </p:cNvPr>
@@ -1526,7 +1526,7 @@
           <p:cNvPr id="3" name="Text Placeholder 2">
             <a:extLst>
               <a:ext uri="{FF2B5EF4-FFF2-40B4-BE49-F238E27FC236}">
-                <a16:creationId xmlns:a16="http://schemas.microsoft.com/office/drawing/2014/main" id="{14D0A41F-5FC3-5240-8E54-0D2C54A62AA7}"/>
+                <a16:creationId xmlns:a16="http://schemas.microsoft.com/office/drawing/2014/main" id="{F300ACCC-FC0E-DE45-98F6-7897242FBBB1}"/>
               </a:ext>
             </a:extLst>
           </p:cNvPr>
@@ -1597,7 +1597,7 @@
           <p:cNvPr id="4" name="Content Placeholder 3">
             <a:extLst>
               <a:ext uri="{FF2B5EF4-FFF2-40B4-BE49-F238E27FC236}">
-                <a16:creationId xmlns:a16="http://schemas.microsoft.com/office/drawing/2014/main" id="{E8928F72-1C92-BD45-98B5-25503BEF36CC}"/>
+                <a16:creationId xmlns:a16="http://schemas.microsoft.com/office/drawing/2014/main" id="{33432E90-E5C8-ED47-94E8-0AC6EF74BD89}"/>
               </a:ext>
             </a:extLst>
           </p:cNvPr>
@@ -1659,7 +1659,7 @@
           <p:cNvPr id="5" name="Text Placeholder 4">
             <a:extLst>
               <a:ext uri="{FF2B5EF4-FFF2-40B4-BE49-F238E27FC236}">
-                <a16:creationId xmlns:a16="http://schemas.microsoft.com/office/drawing/2014/main" id="{A33983C5-67DD-514F-9DC0-E0F133FC5F4A}"/>
+                <a16:creationId xmlns:a16="http://schemas.microsoft.com/office/drawing/2014/main" id="{A2AEDAC7-DB06-5D48-8188-DEAFB9C8C79C}"/>
               </a:ext>
             </a:extLst>
           </p:cNvPr>
@@ -1730,7 +1730,7 @@
           <p:cNvPr id="6" name="Content Placeholder 5">
             <a:extLst>
               <a:ext uri="{FF2B5EF4-FFF2-40B4-BE49-F238E27FC236}">
-                <a16:creationId xmlns:a16="http://schemas.microsoft.com/office/drawing/2014/main" id="{CF303B76-421D-6647-A09D-E4F1E4B40508}"/>
+                <a16:creationId xmlns:a16="http://schemas.microsoft.com/office/drawing/2014/main" id="{22EFA332-67E0-7248-9906-DEA0DA3A6B42}"/>
               </a:ext>
             </a:extLst>
           </p:cNvPr>
@@ -1792,7 +1792,7 @@
           <p:cNvPr id="7" name="Date Placeholder 6">
             <a:extLst>
               <a:ext uri="{FF2B5EF4-FFF2-40B4-BE49-F238E27FC236}">
-                <a16:creationId xmlns:a16="http://schemas.microsoft.com/office/drawing/2014/main" id="{72338AC9-BC81-6A4C-A2E1-33D144BE6BC4}"/>
+                <a16:creationId xmlns:a16="http://schemas.microsoft.com/office/drawing/2014/main" id="{124EF76E-B260-A749-94CE-4DCA853F08FF}"/>
               </a:ext>
             </a:extLst>
           </p:cNvPr>
@@ -1808,9 +1808,9 @@
           <a:bodyPr/>
           <a:lstStyle/>
           <a:p>
-            <a:fld id="{AC83C8DD-C0A3-0D4E-8067-58F6D8CF01B5}" type="datetimeFigureOut">
+            <a:fld id="{F165488E-10C7-6D4D-A6B9-70E1BF276EEB}" type="datetimeFigureOut">
               <a:rPr lang="en-US" smtClean="0"/>
-              <a:t>11/14/19</a:t>
+              <a:t>11/23/19</a:t>
             </a:fld>
             <a:endParaRPr lang="en-US"/>
           </a:p>
@@ -1821,7 +1821,7 @@
           <p:cNvPr id="8" name="Footer Placeholder 7">
             <a:extLst>
               <a:ext uri="{FF2B5EF4-FFF2-40B4-BE49-F238E27FC236}">
-                <a16:creationId xmlns:a16="http://schemas.microsoft.com/office/drawing/2014/main" id="{60D28F2D-1DD3-1342-8B1B-54106BC915B7}"/>
+                <a16:creationId xmlns:a16="http://schemas.microsoft.com/office/drawing/2014/main" id="{ACE1CB55-87F7-6346-BCFC-D3AF4A2C6CF8}"/>
               </a:ext>
             </a:extLst>
           </p:cNvPr>
@@ -1846,7 +1846,7 @@
           <p:cNvPr id="9" name="Slide Number Placeholder 8">
             <a:extLst>
               <a:ext uri="{FF2B5EF4-FFF2-40B4-BE49-F238E27FC236}">
-                <a16:creationId xmlns:a16="http://schemas.microsoft.com/office/drawing/2014/main" id="{909CDBDD-3FE3-0349-9F75-005F1693B39A}"/>
+                <a16:creationId xmlns:a16="http://schemas.microsoft.com/office/drawing/2014/main" id="{A58B98E6-7A1E-784B-AADC-F1AC86DD0155}"/>
               </a:ext>
             </a:extLst>
           </p:cNvPr>
@@ -1862,7 +1862,7 @@
           <a:bodyPr/>
           <a:lstStyle/>
           <a:p>
-            <a:fld id="{BB536F20-F266-B542-AB1E-7DC5BBE24A6A}" type="slidenum">
+            <a:fld id="{884F858A-B885-E545-8956-D53BE6088422}" type="slidenum">
               <a:rPr lang="en-US" smtClean="0"/>
               <a:t>‹#›</a:t>
             </a:fld>
@@ -1873,7 +1873,7 @@
     </p:spTree>
     <p:extLst>
       <p:ext uri="{BB962C8B-B14F-4D97-AF65-F5344CB8AC3E}">
-        <p14:creationId xmlns:p14="http://schemas.microsoft.com/office/powerpoint/2010/main" val="1679581232"/>
+        <p14:creationId xmlns:p14="http://schemas.microsoft.com/office/powerpoint/2010/main" val="352292183"/>
       </p:ext>
     </p:extLst>
   </p:cSld>
@@ -1905,7 +1905,7 @@
           <p:cNvPr id="2" name="Title 1">
             <a:extLst>
               <a:ext uri="{FF2B5EF4-FFF2-40B4-BE49-F238E27FC236}">
-                <a16:creationId xmlns:a16="http://schemas.microsoft.com/office/drawing/2014/main" id="{0BB647FB-CE89-C44C-9073-63635C41BDDC}"/>
+                <a16:creationId xmlns:a16="http://schemas.microsoft.com/office/drawing/2014/main" id="{F320CDE7-D59E-B948-8108-153316A088F5}"/>
               </a:ext>
             </a:extLst>
           </p:cNvPr>
@@ -1933,7 +1933,7 @@
           <p:cNvPr id="3" name="Date Placeholder 2">
             <a:extLst>
               <a:ext uri="{FF2B5EF4-FFF2-40B4-BE49-F238E27FC236}">
-                <a16:creationId xmlns:a16="http://schemas.microsoft.com/office/drawing/2014/main" id="{744B7BDD-2921-C14C-8A93-A4EB3F0A6002}"/>
+                <a16:creationId xmlns:a16="http://schemas.microsoft.com/office/drawing/2014/main" id="{6AA13556-8EA2-9548-B045-57B847398B5A}"/>
               </a:ext>
             </a:extLst>
           </p:cNvPr>
@@ -1949,9 +1949,9 @@
           <a:bodyPr/>
           <a:lstStyle/>
           <a:p>
-            <a:fld id="{AC83C8DD-C0A3-0D4E-8067-58F6D8CF01B5}" type="datetimeFigureOut">
+            <a:fld id="{F165488E-10C7-6D4D-A6B9-70E1BF276EEB}" type="datetimeFigureOut">
               <a:rPr lang="en-US" smtClean="0"/>
-              <a:t>11/14/19</a:t>
+              <a:t>11/23/19</a:t>
             </a:fld>
             <a:endParaRPr lang="en-US"/>
           </a:p>
@@ -1962,7 +1962,7 @@
           <p:cNvPr id="4" name="Footer Placeholder 3">
             <a:extLst>
               <a:ext uri="{FF2B5EF4-FFF2-40B4-BE49-F238E27FC236}">
-                <a16:creationId xmlns:a16="http://schemas.microsoft.com/office/drawing/2014/main" id="{C48F19C2-8DF3-3543-85FC-539E3EA348EB}"/>
+                <a16:creationId xmlns:a16="http://schemas.microsoft.com/office/drawing/2014/main" id="{14AF8744-F6D3-4F47-AEFD-663E5A57CE87}"/>
               </a:ext>
             </a:extLst>
           </p:cNvPr>
@@ -1987,7 +1987,7 @@
           <p:cNvPr id="5" name="Slide Number Placeholder 4">
             <a:extLst>
               <a:ext uri="{FF2B5EF4-FFF2-40B4-BE49-F238E27FC236}">
-                <a16:creationId xmlns:a16="http://schemas.microsoft.com/office/drawing/2014/main" id="{7D203C1B-34B4-3C4E-9C29-E39631E66AE1}"/>
+                <a16:creationId xmlns:a16="http://schemas.microsoft.com/office/drawing/2014/main" id="{764B4C8B-4947-C24B-B49E-090BF7EBF105}"/>
               </a:ext>
             </a:extLst>
           </p:cNvPr>
@@ -2003,7 +2003,7 @@
           <a:bodyPr/>
           <a:lstStyle/>
           <a:p>
-            <a:fld id="{BB536F20-F266-B542-AB1E-7DC5BBE24A6A}" type="slidenum">
+            <a:fld id="{884F858A-B885-E545-8956-D53BE6088422}" type="slidenum">
               <a:rPr lang="en-US" smtClean="0"/>
               <a:t>‹#›</a:t>
             </a:fld>
@@ -2014,7 +2014,7 @@
     </p:spTree>
     <p:extLst>
       <p:ext uri="{BB962C8B-B14F-4D97-AF65-F5344CB8AC3E}">
-        <p14:creationId xmlns:p14="http://schemas.microsoft.com/office/powerpoint/2010/main" val="3446546837"/>
+        <p14:creationId xmlns:p14="http://schemas.microsoft.com/office/powerpoint/2010/main" val="2522380348"/>
       </p:ext>
     </p:extLst>
   </p:cSld>
@@ -2046,7 +2046,7 @@
           <p:cNvPr id="2" name="Date Placeholder 1">
             <a:extLst>
               <a:ext uri="{FF2B5EF4-FFF2-40B4-BE49-F238E27FC236}">
-                <a16:creationId xmlns:a16="http://schemas.microsoft.com/office/drawing/2014/main" id="{004940FD-7FFF-7A47-BCDE-7C1E5F09C76A}"/>
+                <a16:creationId xmlns:a16="http://schemas.microsoft.com/office/drawing/2014/main" id="{9C7BCDFE-1970-2545-9F89-64A61A64697A}"/>
               </a:ext>
             </a:extLst>
           </p:cNvPr>
@@ -2062,9 +2062,9 @@
           <a:bodyPr/>
           <a:lstStyle/>
           <a:p>
-            <a:fld id="{AC83C8DD-C0A3-0D4E-8067-58F6D8CF01B5}" type="datetimeFigureOut">
+            <a:fld id="{F165488E-10C7-6D4D-A6B9-70E1BF276EEB}" type="datetimeFigureOut">
               <a:rPr lang="en-US" smtClean="0"/>
-              <a:t>11/14/19</a:t>
+              <a:t>11/23/19</a:t>
             </a:fld>
             <a:endParaRPr lang="en-US"/>
           </a:p>
@@ -2075,7 +2075,7 @@
           <p:cNvPr id="3" name="Footer Placeholder 2">
             <a:extLst>
               <a:ext uri="{FF2B5EF4-FFF2-40B4-BE49-F238E27FC236}">
-                <a16:creationId xmlns:a16="http://schemas.microsoft.com/office/drawing/2014/main" id="{786537CC-CC8E-484D-805D-D71F7284F47C}"/>
+                <a16:creationId xmlns:a16="http://schemas.microsoft.com/office/drawing/2014/main" id="{8D13F8C1-E113-FD4B-91E2-94129991ECF0}"/>
               </a:ext>
             </a:extLst>
           </p:cNvPr>
@@ -2100,7 +2100,7 @@
           <p:cNvPr id="4" name="Slide Number Placeholder 3">
             <a:extLst>
               <a:ext uri="{FF2B5EF4-FFF2-40B4-BE49-F238E27FC236}">
-                <a16:creationId xmlns:a16="http://schemas.microsoft.com/office/drawing/2014/main" id="{F0BDF70B-7CD4-5D4B-B5B2-E7AC78EC4A52}"/>
+                <a16:creationId xmlns:a16="http://schemas.microsoft.com/office/drawing/2014/main" id="{C60E375F-D7F2-3740-968D-70B455C25208}"/>
               </a:ext>
             </a:extLst>
           </p:cNvPr>
@@ -2116,7 +2116,7 @@
           <a:bodyPr/>
           <a:lstStyle/>
           <a:p>
-            <a:fld id="{BB536F20-F266-B542-AB1E-7DC5BBE24A6A}" type="slidenum">
+            <a:fld id="{884F858A-B885-E545-8956-D53BE6088422}" type="slidenum">
               <a:rPr lang="en-US" smtClean="0"/>
               <a:t>‹#›</a:t>
             </a:fld>
@@ -2127,7 +2127,7 @@
     </p:spTree>
     <p:extLst>
       <p:ext uri="{BB962C8B-B14F-4D97-AF65-F5344CB8AC3E}">
-        <p14:creationId xmlns:p14="http://schemas.microsoft.com/office/powerpoint/2010/main" val="3125433447"/>
+        <p14:creationId xmlns:p14="http://schemas.microsoft.com/office/powerpoint/2010/main" val="3443619750"/>
       </p:ext>
     </p:extLst>
   </p:cSld>
@@ -2159,7 +2159,7 @@
           <p:cNvPr id="2" name="Title 1">
             <a:extLst>
               <a:ext uri="{FF2B5EF4-FFF2-40B4-BE49-F238E27FC236}">
-                <a16:creationId xmlns:a16="http://schemas.microsoft.com/office/drawing/2014/main" id="{B7063246-8DF1-1740-BEFA-9C8A61268FC9}"/>
+                <a16:creationId xmlns:a16="http://schemas.microsoft.com/office/drawing/2014/main" id="{C3B4BE2B-2988-B544-8B09-AD427E75F1B4}"/>
               </a:ext>
             </a:extLst>
           </p:cNvPr>
@@ -2196,7 +2196,7 @@
           <p:cNvPr id="3" name="Content Placeholder 2">
             <a:extLst>
               <a:ext uri="{FF2B5EF4-FFF2-40B4-BE49-F238E27FC236}">
-                <a16:creationId xmlns:a16="http://schemas.microsoft.com/office/drawing/2014/main" id="{1ACB69EE-2076-6B4C-B3D0-940CF0EDF624}"/>
+                <a16:creationId xmlns:a16="http://schemas.microsoft.com/office/drawing/2014/main" id="{BA05B001-EDA2-F346-81CB-03D5183BF494}"/>
               </a:ext>
             </a:extLst>
           </p:cNvPr>
@@ -2286,7 +2286,7 @@
           <p:cNvPr id="4" name="Text Placeholder 3">
             <a:extLst>
               <a:ext uri="{FF2B5EF4-FFF2-40B4-BE49-F238E27FC236}">
-                <a16:creationId xmlns:a16="http://schemas.microsoft.com/office/drawing/2014/main" id="{0C5F5F29-C8AB-9A43-A867-1896D4DCEA4F}"/>
+                <a16:creationId xmlns:a16="http://schemas.microsoft.com/office/drawing/2014/main" id="{92D639CA-0A4B-BE4E-BDC1-5F520349D2EC}"/>
               </a:ext>
             </a:extLst>
           </p:cNvPr>
@@ -2357,7 +2357,7 @@
           <p:cNvPr id="5" name="Date Placeholder 4">
             <a:extLst>
               <a:ext uri="{FF2B5EF4-FFF2-40B4-BE49-F238E27FC236}">
-                <a16:creationId xmlns:a16="http://schemas.microsoft.com/office/drawing/2014/main" id="{B9720C95-E425-1E44-8925-A41950866B0E}"/>
+                <a16:creationId xmlns:a16="http://schemas.microsoft.com/office/drawing/2014/main" id="{A6C21C38-DEE5-C64F-B09B-E438A40BC337}"/>
               </a:ext>
             </a:extLst>
           </p:cNvPr>
@@ -2373,9 +2373,9 @@
           <a:bodyPr/>
           <a:lstStyle/>
           <a:p>
-            <a:fld id="{AC83C8DD-C0A3-0D4E-8067-58F6D8CF01B5}" type="datetimeFigureOut">
+            <a:fld id="{F165488E-10C7-6D4D-A6B9-70E1BF276EEB}" type="datetimeFigureOut">
               <a:rPr lang="en-US" smtClean="0"/>
-              <a:t>11/14/19</a:t>
+              <a:t>11/23/19</a:t>
             </a:fld>
             <a:endParaRPr lang="en-US"/>
           </a:p>
@@ -2386,7 +2386,7 @@
           <p:cNvPr id="6" name="Footer Placeholder 5">
             <a:extLst>
               <a:ext uri="{FF2B5EF4-FFF2-40B4-BE49-F238E27FC236}">
-                <a16:creationId xmlns:a16="http://schemas.microsoft.com/office/drawing/2014/main" id="{D53B93BC-A872-6147-97F9-423C204F03F1}"/>
+                <a16:creationId xmlns:a16="http://schemas.microsoft.com/office/drawing/2014/main" id="{E5A858DD-5F32-1E4A-9992-95CDE000855E}"/>
               </a:ext>
             </a:extLst>
           </p:cNvPr>
@@ -2411,7 +2411,7 @@
           <p:cNvPr id="7" name="Slide Number Placeholder 6">
             <a:extLst>
               <a:ext uri="{FF2B5EF4-FFF2-40B4-BE49-F238E27FC236}">
-                <a16:creationId xmlns:a16="http://schemas.microsoft.com/office/drawing/2014/main" id="{11C0BF5C-93A2-A448-B67B-F4E4E4D5D9B7}"/>
+                <a16:creationId xmlns:a16="http://schemas.microsoft.com/office/drawing/2014/main" id="{80DFCD92-5A5B-084E-9A8A-BEFC89DEEF16}"/>
               </a:ext>
             </a:extLst>
           </p:cNvPr>
@@ -2427,7 +2427,7 @@
           <a:bodyPr/>
           <a:lstStyle/>
           <a:p>
-            <a:fld id="{BB536F20-F266-B542-AB1E-7DC5BBE24A6A}" type="slidenum">
+            <a:fld id="{884F858A-B885-E545-8956-D53BE6088422}" type="slidenum">
               <a:rPr lang="en-US" smtClean="0"/>
               <a:t>‹#›</a:t>
             </a:fld>
@@ -2438,7 +2438,7 @@
     </p:spTree>
     <p:extLst>
       <p:ext uri="{BB962C8B-B14F-4D97-AF65-F5344CB8AC3E}">
-        <p14:creationId xmlns:p14="http://schemas.microsoft.com/office/powerpoint/2010/main" val="1945770454"/>
+        <p14:creationId xmlns:p14="http://schemas.microsoft.com/office/powerpoint/2010/main" val="1659448657"/>
       </p:ext>
     </p:extLst>
   </p:cSld>
@@ -2470,7 +2470,7 @@
           <p:cNvPr id="2" name="Title 1">
             <a:extLst>
               <a:ext uri="{FF2B5EF4-FFF2-40B4-BE49-F238E27FC236}">
-                <a16:creationId xmlns:a16="http://schemas.microsoft.com/office/drawing/2014/main" id="{422F96F9-9843-334F-9F4E-D9A0EBB1CC95}"/>
+                <a16:creationId xmlns:a16="http://schemas.microsoft.com/office/drawing/2014/main" id="{AB549278-5C24-164D-A87B-82508CFE7188}"/>
               </a:ext>
             </a:extLst>
           </p:cNvPr>
@@ -2507,7 +2507,7 @@
           <p:cNvPr id="3" name="Picture Placeholder 2">
             <a:extLst>
               <a:ext uri="{FF2B5EF4-FFF2-40B4-BE49-F238E27FC236}">
-                <a16:creationId xmlns:a16="http://schemas.microsoft.com/office/drawing/2014/main" id="{DEF7ACB9-1D0B-214C-BA87-FE8B5502356E}"/>
+                <a16:creationId xmlns:a16="http://schemas.microsoft.com/office/drawing/2014/main" id="{29372C6F-1969-E449-B66B-48350EFC5717}"/>
               </a:ext>
             </a:extLst>
           </p:cNvPr>
@@ -2574,7 +2574,7 @@
           <p:cNvPr id="4" name="Text Placeholder 3">
             <a:extLst>
               <a:ext uri="{FF2B5EF4-FFF2-40B4-BE49-F238E27FC236}">
-                <a16:creationId xmlns:a16="http://schemas.microsoft.com/office/drawing/2014/main" id="{1DE85EB2-2976-3E42-8753-CB9346DB5705}"/>
+                <a16:creationId xmlns:a16="http://schemas.microsoft.com/office/drawing/2014/main" id="{3E3843E9-CED0-314F-A853-B2F5BC203F16}"/>
               </a:ext>
             </a:extLst>
           </p:cNvPr>
@@ -2645,7 +2645,7 @@
           <p:cNvPr id="5" name="Date Placeholder 4">
             <a:extLst>
               <a:ext uri="{FF2B5EF4-FFF2-40B4-BE49-F238E27FC236}">
-                <a16:creationId xmlns:a16="http://schemas.microsoft.com/office/drawing/2014/main" id="{38EC6BE0-860D-0541-9B48-B71C32E6EF01}"/>
+                <a16:creationId xmlns:a16="http://schemas.microsoft.com/office/drawing/2014/main" id="{C91F650E-55C5-E146-A835-38D68E69DD44}"/>
               </a:ext>
             </a:extLst>
           </p:cNvPr>
@@ -2661,9 +2661,9 @@
           <a:bodyPr/>
           <a:lstStyle/>
           <a:p>
-            <a:fld id="{AC83C8DD-C0A3-0D4E-8067-58F6D8CF01B5}" type="datetimeFigureOut">
+            <a:fld id="{F165488E-10C7-6D4D-A6B9-70E1BF276EEB}" type="datetimeFigureOut">
               <a:rPr lang="en-US" smtClean="0"/>
-              <a:t>11/14/19</a:t>
+              <a:t>11/23/19</a:t>
             </a:fld>
             <a:endParaRPr lang="en-US"/>
           </a:p>
@@ -2674,7 +2674,7 @@
           <p:cNvPr id="6" name="Footer Placeholder 5">
             <a:extLst>
               <a:ext uri="{FF2B5EF4-FFF2-40B4-BE49-F238E27FC236}">
-                <a16:creationId xmlns:a16="http://schemas.microsoft.com/office/drawing/2014/main" id="{B5389123-F56E-5D45-B0BC-F46CC32AC308}"/>
+                <a16:creationId xmlns:a16="http://schemas.microsoft.com/office/drawing/2014/main" id="{738B2F80-4615-C241-A325-C7F0C828F05E}"/>
               </a:ext>
             </a:extLst>
           </p:cNvPr>
@@ -2699,7 +2699,7 @@
           <p:cNvPr id="7" name="Slide Number Placeholder 6">
             <a:extLst>
               <a:ext uri="{FF2B5EF4-FFF2-40B4-BE49-F238E27FC236}">
-                <a16:creationId xmlns:a16="http://schemas.microsoft.com/office/drawing/2014/main" id="{F34FDBF0-FB7D-8249-80A7-48B3639CFA70}"/>
+                <a16:creationId xmlns:a16="http://schemas.microsoft.com/office/drawing/2014/main" id="{96204460-76F7-874A-955A-7CA767768968}"/>
               </a:ext>
             </a:extLst>
           </p:cNvPr>
@@ -2715,7 +2715,7 @@
           <a:bodyPr/>
           <a:lstStyle/>
           <a:p>
-            <a:fld id="{BB536F20-F266-B542-AB1E-7DC5BBE24A6A}" type="slidenum">
+            <a:fld id="{884F858A-B885-E545-8956-D53BE6088422}" type="slidenum">
               <a:rPr lang="en-US" smtClean="0"/>
               <a:t>‹#›</a:t>
             </a:fld>
@@ -2726,7 +2726,7 @@
     </p:spTree>
     <p:extLst>
       <p:ext uri="{BB962C8B-B14F-4D97-AF65-F5344CB8AC3E}">
-        <p14:creationId xmlns:p14="http://schemas.microsoft.com/office/powerpoint/2010/main" val="279813132"/>
+        <p14:creationId xmlns:p14="http://schemas.microsoft.com/office/powerpoint/2010/main" val="2670358771"/>
       </p:ext>
     </p:extLst>
   </p:cSld>
@@ -2763,7 +2763,7 @@
           <p:cNvPr id="2" name="Title Placeholder 1">
             <a:extLst>
               <a:ext uri="{FF2B5EF4-FFF2-40B4-BE49-F238E27FC236}">
-                <a16:creationId xmlns:a16="http://schemas.microsoft.com/office/drawing/2014/main" id="{DE9C62B7-3696-504B-A979-58227850B3A1}"/>
+                <a16:creationId xmlns:a16="http://schemas.microsoft.com/office/drawing/2014/main" id="{B24C1FDB-7598-2849-BCA3-E4F63B39CF25}"/>
               </a:ext>
             </a:extLst>
           </p:cNvPr>
@@ -2801,7 +2801,7 @@
           <p:cNvPr id="3" name="Text Placeholder 2">
             <a:extLst>
               <a:ext uri="{FF2B5EF4-FFF2-40B4-BE49-F238E27FC236}">
-                <a16:creationId xmlns:a16="http://schemas.microsoft.com/office/drawing/2014/main" id="{FD9AC86B-04A3-1240-9DAF-3E4BC1B26B57}"/>
+                <a16:creationId xmlns:a16="http://schemas.microsoft.com/office/drawing/2014/main" id="{70F8A5DC-1139-CA45-818E-21513292D038}"/>
               </a:ext>
             </a:extLst>
           </p:cNvPr>
@@ -2868,7 +2868,7 @@
           <p:cNvPr id="4" name="Date Placeholder 3">
             <a:extLst>
               <a:ext uri="{FF2B5EF4-FFF2-40B4-BE49-F238E27FC236}">
-                <a16:creationId xmlns:a16="http://schemas.microsoft.com/office/drawing/2014/main" id="{26F9C19F-3AE1-724D-8445-F5C64DFFC629}"/>
+                <a16:creationId xmlns:a16="http://schemas.microsoft.com/office/drawing/2014/main" id="{CB7349D9-B5A0-3845-8643-6EBB737298D8}"/>
               </a:ext>
             </a:extLst>
           </p:cNvPr>
@@ -2902,9 +2902,9 @@
             </a:lvl1pPr>
           </a:lstStyle>
           <a:p>
-            <a:fld id="{AC83C8DD-C0A3-0D4E-8067-58F6D8CF01B5}" type="datetimeFigureOut">
+            <a:fld id="{F165488E-10C7-6D4D-A6B9-70E1BF276EEB}" type="datetimeFigureOut">
               <a:rPr lang="en-US" smtClean="0"/>
-              <a:t>11/14/19</a:t>
+              <a:t>11/23/19</a:t>
             </a:fld>
             <a:endParaRPr lang="en-US"/>
           </a:p>
@@ -2915,7 +2915,7 @@
           <p:cNvPr id="5" name="Footer Placeholder 4">
             <a:extLst>
               <a:ext uri="{FF2B5EF4-FFF2-40B4-BE49-F238E27FC236}">
-                <a16:creationId xmlns:a16="http://schemas.microsoft.com/office/drawing/2014/main" id="{F6E158E4-BEE1-0144-8D3F-FF044C7D08D1}"/>
+                <a16:creationId xmlns:a16="http://schemas.microsoft.com/office/drawing/2014/main" id="{588631FB-A51E-FB4B-969C-B8891DA95352}"/>
               </a:ext>
             </a:extLst>
           </p:cNvPr>
@@ -2958,7 +2958,7 @@
           <p:cNvPr id="6" name="Slide Number Placeholder 5">
             <a:extLst>
               <a:ext uri="{FF2B5EF4-FFF2-40B4-BE49-F238E27FC236}">
-                <a16:creationId xmlns:a16="http://schemas.microsoft.com/office/drawing/2014/main" id="{CCE868B0-69E8-7942-8A67-0D65B99608A6}"/>
+                <a16:creationId xmlns:a16="http://schemas.microsoft.com/office/drawing/2014/main" id="{43B81C86-D3C9-7946-B090-81822A91A051}"/>
               </a:ext>
             </a:extLst>
           </p:cNvPr>
@@ -2992,7 +2992,7 @@
             </a:lvl1pPr>
           </a:lstStyle>
           <a:p>
-            <a:fld id="{BB536F20-F266-B542-AB1E-7DC5BBE24A6A}" type="slidenum">
+            <a:fld id="{884F858A-B885-E545-8956-D53BE6088422}" type="slidenum">
               <a:rPr lang="en-US" smtClean="0"/>
               <a:t>‹#›</a:t>
             </a:fld>
@@ -3003,7 +3003,7 @@
     </p:spTree>
     <p:extLst>
       <p:ext uri="{BB962C8B-B14F-4D97-AF65-F5344CB8AC3E}">
-        <p14:creationId xmlns:p14="http://schemas.microsoft.com/office/powerpoint/2010/main" val="3177695352"/>
+        <p14:creationId xmlns:p14="http://schemas.microsoft.com/office/powerpoint/2010/main" val="1550782817"/>
       </p:ext>
     </p:extLst>
   </p:cSld>
@@ -3326,7 +3326,7 @@
           <p:cNvPr id="4" name="Oval 3">
             <a:extLst>
               <a:ext uri="{FF2B5EF4-FFF2-40B4-BE49-F238E27FC236}">
-                <a16:creationId xmlns:a16="http://schemas.microsoft.com/office/drawing/2014/main" id="{67708FD6-89CD-F249-BBDF-F1E43E0C9662}"/>
+                <a16:creationId xmlns:a16="http://schemas.microsoft.com/office/drawing/2014/main" id="{D0647E47-5D48-4A4E-9F90-F9F4CA643C76}"/>
               </a:ext>
             </a:extLst>
           </p:cNvPr>
@@ -3335,8 +3335,8 @@
         </p:nvSpPr>
         <p:spPr>
           <a:xfrm>
-            <a:off x="5453744" y="3151413"/>
-            <a:ext cx="498629" cy="498629"/>
+            <a:off x="3418764" y="2740683"/>
+            <a:ext cx="1068894" cy="606198"/>
           </a:xfrm>
           <a:prstGeom prst="ellipse">
             <a:avLst/>
@@ -3344,38 +3344,37 @@
         </p:spPr>
         <p:style>
           <a:lnRef idx="2">
-            <a:schemeClr val="accent1">
-              <a:shade val="50000"/>
-            </a:schemeClr>
+            <a:schemeClr val="accent6"/>
           </a:lnRef>
           <a:fillRef idx="1">
-            <a:schemeClr val="accent1"/>
+            <a:schemeClr val="lt1"/>
           </a:fillRef>
           <a:effectRef idx="0">
-            <a:schemeClr val="accent1"/>
+            <a:schemeClr val="accent6"/>
           </a:effectRef>
           <a:fontRef idx="minor">
-            <a:schemeClr val="lt1"/>
+            <a:schemeClr val="dk1"/>
           </a:fontRef>
         </p:style>
         <p:txBody>
-          <a:bodyPr rtlCol="0" anchor="ctr"/>
+          <a:bodyPr lIns="0" tIns="0" rIns="0" bIns="0" rtlCol="0" anchor="ctr"/>
           <a:lstStyle/>
           <a:p>
             <a:pPr algn="ctr"/>
             <a:r>
-              <a:rPr lang="en-US" sz="800" dirty="0"/>
-              <a:t>Idle</a:t>
-            </a:r>
-          </a:p>
-        </p:txBody>
-      </p:sp>
-      <p:sp>
-        <p:nvSpPr>
-          <p:cNvPr id="5" name="Oval 4">
-            <a:extLst>
-              <a:ext uri="{FF2B5EF4-FFF2-40B4-BE49-F238E27FC236}">
-                <a16:creationId xmlns:a16="http://schemas.microsoft.com/office/drawing/2014/main" id="{B2E78E1B-95AB-2E4E-A4B5-170EC9DECD0B}"/>
+              <a:rPr lang="en-US" sz="800" dirty="0" err="1"/>
+              <a:t>delay_mode</a:t>
+            </a:r>
+            <a:endParaRPr lang="en-US" sz="800" dirty="0"/>
+          </a:p>
+        </p:txBody>
+      </p:sp>
+      <p:sp>
+        <p:nvSpPr>
+          <p:cNvPr id="6" name="Oval 5">
+            <a:extLst>
+              <a:ext uri="{FF2B5EF4-FFF2-40B4-BE49-F238E27FC236}">
+                <a16:creationId xmlns:a16="http://schemas.microsoft.com/office/drawing/2014/main" id="{DA856158-E3A7-8C45-A8A9-F79E2268027D}"/>
               </a:ext>
             </a:extLst>
           </p:cNvPr>
@@ -3384,8 +3383,8 @@
         </p:nvSpPr>
         <p:spPr>
           <a:xfrm>
-            <a:off x="6912430" y="2520041"/>
-            <a:ext cx="581285" cy="581285"/>
+            <a:off x="1796548" y="4044453"/>
+            <a:ext cx="1056815" cy="606198"/>
           </a:xfrm>
           <a:prstGeom prst="ellipse">
             <a:avLst/>
@@ -3393,18 +3392,16 @@
         </p:spPr>
         <p:style>
           <a:lnRef idx="2">
-            <a:schemeClr val="accent1">
-              <a:shade val="50000"/>
-            </a:schemeClr>
+            <a:schemeClr val="accent6"/>
           </a:lnRef>
           <a:fillRef idx="1">
-            <a:schemeClr val="accent1"/>
+            <a:schemeClr val="lt1"/>
           </a:fillRef>
           <a:effectRef idx="0">
-            <a:schemeClr val="accent1"/>
+            <a:schemeClr val="accent6"/>
           </a:effectRef>
           <a:fontRef idx="minor">
-            <a:schemeClr val="lt1"/>
+            <a:schemeClr val="dk1"/>
           </a:fontRef>
         </p:style>
         <p:txBody>
@@ -3413,35 +3410,230 @@
           <a:p>
             <a:pPr algn="ctr"/>
             <a:r>
-              <a:rPr lang="en-US" sz="800" dirty="0"/>
-              <a:t>LR flash</a:t>
-            </a:r>
+              <a:rPr lang="en-US" sz="800" dirty="0" err="1"/>
+              <a:t>delay_decrement</a:t>
+            </a:r>
+            <a:endParaRPr lang="en-US" sz="800" dirty="0"/>
+          </a:p>
+        </p:txBody>
+      </p:sp>
+      <p:sp>
+        <p:nvSpPr>
+          <p:cNvPr id="7" name="Oval 6">
+            <a:extLst>
+              <a:ext uri="{FF2B5EF4-FFF2-40B4-BE49-F238E27FC236}">
+                <a16:creationId xmlns:a16="http://schemas.microsoft.com/office/drawing/2014/main" id="{F747D4AA-EB0B-314A-B263-1D88B1C43683}"/>
+              </a:ext>
+            </a:extLst>
+          </p:cNvPr>
+          <p:cNvSpPr/>
+          <p:nvPr/>
+        </p:nvSpPr>
+        <p:spPr>
+          <a:xfrm>
+            <a:off x="1796549" y="1446685"/>
+            <a:ext cx="1056815" cy="606198"/>
+          </a:xfrm>
+          <a:prstGeom prst="ellipse">
+            <a:avLst/>
+          </a:prstGeom>
+        </p:spPr>
+        <p:style>
+          <a:lnRef idx="2">
+            <a:schemeClr val="accent6"/>
+          </a:lnRef>
+          <a:fillRef idx="1">
+            <a:schemeClr val="lt1"/>
+          </a:fillRef>
+          <a:effectRef idx="0">
+            <a:schemeClr val="accent6"/>
+          </a:effectRef>
+          <a:fontRef idx="minor">
+            <a:schemeClr val="dk1"/>
+          </a:fontRef>
+        </p:style>
+        <p:txBody>
+          <a:bodyPr lIns="0" tIns="0" rIns="0" bIns="0" rtlCol="0" anchor="ctr"/>
+          <a:lstStyle/>
+          <a:p>
+            <a:pPr algn="ctr"/>
+            <a:r>
+              <a:rPr lang="en-US" sz="800" dirty="0" err="1"/>
+              <a:t>delay_increment</a:t>
+            </a:r>
+            <a:endParaRPr lang="en-US" sz="800" dirty="0"/>
+          </a:p>
+        </p:txBody>
+      </p:sp>
+      <p:sp>
+        <p:nvSpPr>
+          <p:cNvPr id="8" name="Oval 7">
+            <a:extLst>
+              <a:ext uri="{FF2B5EF4-FFF2-40B4-BE49-F238E27FC236}">
+                <a16:creationId xmlns:a16="http://schemas.microsoft.com/office/drawing/2014/main" id="{3205C9AF-DE49-6840-95DF-667E07A04164}"/>
+              </a:ext>
+            </a:extLst>
+          </p:cNvPr>
+          <p:cNvSpPr/>
+          <p:nvPr/>
+        </p:nvSpPr>
+        <p:spPr>
+          <a:xfrm>
+            <a:off x="5488765" y="2740683"/>
+            <a:ext cx="1056815" cy="606198"/>
+          </a:xfrm>
+          <a:prstGeom prst="ellipse">
+            <a:avLst/>
+          </a:prstGeom>
+        </p:spPr>
+        <p:style>
+          <a:lnRef idx="2">
+            <a:schemeClr val="accent6"/>
+          </a:lnRef>
+          <a:fillRef idx="1">
+            <a:schemeClr val="lt1"/>
+          </a:fillRef>
+          <a:effectRef idx="0">
+            <a:schemeClr val="accent6"/>
+          </a:effectRef>
+          <a:fontRef idx="minor">
+            <a:schemeClr val="dk1"/>
+          </a:fontRef>
+        </p:style>
+        <p:txBody>
+          <a:bodyPr lIns="0" tIns="0" rIns="0" bIns="0" rtlCol="0" anchor="ctr"/>
+          <a:lstStyle/>
+          <a:p>
+            <a:pPr algn="ctr"/>
+            <a:r>
+              <a:rPr lang="en-US" sz="800" dirty="0" err="1"/>
+              <a:t>flash_mode</a:t>
+            </a:r>
+            <a:endParaRPr lang="en-US" sz="800" dirty="0"/>
+          </a:p>
+        </p:txBody>
+      </p:sp>
+      <p:sp>
+        <p:nvSpPr>
+          <p:cNvPr id="9" name="Oval 8">
+            <a:extLst>
+              <a:ext uri="{FF2B5EF4-FFF2-40B4-BE49-F238E27FC236}">
+                <a16:creationId xmlns:a16="http://schemas.microsoft.com/office/drawing/2014/main" id="{2475BD35-7400-5448-BF7A-F997569559D8}"/>
+              </a:ext>
+            </a:extLst>
+          </p:cNvPr>
+          <p:cNvSpPr/>
+          <p:nvPr/>
+        </p:nvSpPr>
+        <p:spPr>
+          <a:xfrm>
+            <a:off x="7190790" y="4055211"/>
+            <a:ext cx="995332" cy="606198"/>
+          </a:xfrm>
+          <a:prstGeom prst="ellipse">
+            <a:avLst/>
+          </a:prstGeom>
+        </p:spPr>
+        <p:style>
+          <a:lnRef idx="2">
+            <a:schemeClr val="accent6"/>
+          </a:lnRef>
+          <a:fillRef idx="1">
+            <a:schemeClr val="lt1"/>
+          </a:fillRef>
+          <a:effectRef idx="0">
+            <a:schemeClr val="accent6"/>
+          </a:effectRef>
+          <a:fontRef idx="minor">
+            <a:schemeClr val="dk1"/>
+          </a:fontRef>
+        </p:style>
+        <p:txBody>
+          <a:bodyPr lIns="0" tIns="0" rIns="0" bIns="0" rtlCol="0" anchor="ctr"/>
+          <a:lstStyle/>
+          <a:p>
+            <a:pPr algn="ctr"/>
+            <a:r>
+              <a:rPr lang="en-US" sz="800" dirty="0" err="1"/>
+              <a:t>LR_flash_mode</a:t>
+            </a:r>
+            <a:endParaRPr lang="en-US" sz="800" dirty="0"/>
+          </a:p>
+        </p:txBody>
+      </p:sp>
+      <p:sp>
+        <p:nvSpPr>
+          <p:cNvPr id="11" name="Oval 10">
+            <a:extLst>
+              <a:ext uri="{FF2B5EF4-FFF2-40B4-BE49-F238E27FC236}">
+                <a16:creationId xmlns:a16="http://schemas.microsoft.com/office/drawing/2014/main" id="{A020997E-67F2-AC43-9623-B1BF32BEAC16}"/>
+              </a:ext>
+            </a:extLst>
+          </p:cNvPr>
+          <p:cNvSpPr/>
+          <p:nvPr/>
+        </p:nvSpPr>
+        <p:spPr>
+          <a:xfrm>
+            <a:off x="7160049" y="1426928"/>
+            <a:ext cx="1056815" cy="606198"/>
+          </a:xfrm>
+          <a:prstGeom prst="ellipse">
+            <a:avLst/>
+          </a:prstGeom>
+        </p:spPr>
+        <p:style>
+          <a:lnRef idx="2">
+            <a:schemeClr val="accent6"/>
+          </a:lnRef>
+          <a:fillRef idx="1">
+            <a:schemeClr val="lt1"/>
+          </a:fillRef>
+          <a:effectRef idx="0">
+            <a:schemeClr val="accent6"/>
+          </a:effectRef>
+          <a:fontRef idx="minor">
+            <a:schemeClr val="dk1"/>
+          </a:fontRef>
+        </p:style>
+        <p:txBody>
+          <a:bodyPr lIns="0" tIns="0" rIns="0" bIns="0" rtlCol="0" anchor="ctr"/>
+          <a:lstStyle/>
+          <a:p>
+            <a:pPr algn="ctr"/>
+            <a:r>
+              <a:rPr lang="en-US" sz="800" dirty="0" err="1"/>
+              <a:t>RL_flash_mode</a:t>
+            </a:r>
+            <a:endParaRPr lang="en-US" sz="800" dirty="0"/>
           </a:p>
         </p:txBody>
       </p:sp>
       <p:cxnSp>
         <p:nvCxnSpPr>
-          <p:cNvPr id="9" name="Curved Connector 8">
-            <a:extLst>
-              <a:ext uri="{FF2B5EF4-FFF2-40B4-BE49-F238E27FC236}">
-                <a16:creationId xmlns:a16="http://schemas.microsoft.com/office/drawing/2014/main" id="{F0335C2A-233D-DD44-8A69-BCC45F07F400}"/>
+          <p:cNvPr id="13" name="Curved Connector 12">
+            <a:extLst>
+              <a:ext uri="{FF2B5EF4-FFF2-40B4-BE49-F238E27FC236}">
+                <a16:creationId xmlns:a16="http://schemas.microsoft.com/office/drawing/2014/main" id="{865CD28D-03E2-D444-87CD-CE292C0498ED}"/>
               </a:ext>
             </a:extLst>
           </p:cNvPr>
           <p:cNvCxnSpPr>
             <a:cxnSpLocks/>
-            <a:stCxn id="4" idx="7"/>
-            <a:endCxn id="5" idx="2"/>
+            <a:stCxn id="8" idx="2"/>
+            <a:endCxn id="4" idx="6"/>
           </p:cNvCxnSpPr>
           <p:nvPr/>
         </p:nvCxnSpPr>
         <p:spPr>
-          <a:xfrm rot="5400000" flipH="1" flipV="1">
-            <a:off x="6189014" y="2501020"/>
-            <a:ext cx="413752" cy="1033080"/>
-          </a:xfrm>
-          <a:prstGeom prst="curvedConnector2">
-            <a:avLst/>
+          <a:xfrm rot="10800000">
+            <a:off x="4487659" y="3043782"/>
+            <a:ext cx="1001107" cy="12700"/>
+          </a:xfrm>
+          <a:prstGeom prst="curvedConnector3">
+            <a:avLst>
+              <a:gd name="adj1" fmla="val 50000"/>
+            </a:avLst>
           </a:prstGeom>
           <a:ln>
             <a:tailEnd type="triangle"/>
@@ -3464,10 +3656,10 @@
       </p:cxnSp>
       <p:sp>
         <p:nvSpPr>
-          <p:cNvPr id="10" name="TextBox 9">
-            <a:extLst>
-              <a:ext uri="{FF2B5EF4-FFF2-40B4-BE49-F238E27FC236}">
-                <a16:creationId xmlns:a16="http://schemas.microsoft.com/office/drawing/2014/main" id="{6CFDC64F-B15B-C941-934B-5AB9C6EE4EF4}"/>
+          <p:cNvPr id="16" name="TextBox 15">
+            <a:extLst>
+              <a:ext uri="{FF2B5EF4-FFF2-40B4-BE49-F238E27FC236}">
+                <a16:creationId xmlns:a16="http://schemas.microsoft.com/office/drawing/2014/main" id="{D8A05FA0-6F29-E04B-AEFB-859BE19A35EE}"/>
               </a:ext>
             </a:extLst>
           </p:cNvPr>
@@ -3476,8 +3668,8 @@
         </p:nvSpPr>
         <p:spPr>
           <a:xfrm>
-            <a:off x="6087532" y="2885882"/>
-            <a:ext cx="713790" cy="215444"/>
+            <a:off x="4675530" y="3056483"/>
+            <a:ext cx="724422" cy="461665"/>
           </a:xfrm>
           <a:prstGeom prst="rect">
             <a:avLst/>
@@ -3492,7 +3684,921 @@
           <a:p>
             <a:r>
               <a:rPr lang="en-US" sz="800" dirty="0"/>
-              <a:t>Sw1 pressed</a:t>
+              <a:t>SW2 pressed</a:t>
+            </a:r>
+          </a:p>
+          <a:p>
+            <a:r>
+              <a:rPr lang="en-US" sz="800" dirty="0"/>
+              <a:t>OR</a:t>
+            </a:r>
+          </a:p>
+          <a:p>
+            <a:r>
+              <a:rPr lang="en-US" sz="800" dirty="0"/>
+              <a:t>SW3 pressed</a:t>
+            </a:r>
+          </a:p>
+        </p:txBody>
+      </p:sp>
+      <p:cxnSp>
+        <p:nvCxnSpPr>
+          <p:cNvPr id="17" name="Curved Connector 16">
+            <a:extLst>
+              <a:ext uri="{FF2B5EF4-FFF2-40B4-BE49-F238E27FC236}">
+                <a16:creationId xmlns:a16="http://schemas.microsoft.com/office/drawing/2014/main" id="{1A45F5E8-E38A-9348-A55F-051D8C3C0935}"/>
+              </a:ext>
+            </a:extLst>
+          </p:cNvPr>
+          <p:cNvCxnSpPr>
+            <a:cxnSpLocks/>
+            <a:stCxn id="8" idx="0"/>
+            <a:endCxn id="11" idx="2"/>
+          </p:cNvCxnSpPr>
+          <p:nvPr/>
+        </p:nvCxnSpPr>
+        <p:spPr>
+          <a:xfrm rot="5400000" flipH="1" flipV="1">
+            <a:off x="6083283" y="1663917"/>
+            <a:ext cx="1010656" cy="1142876"/>
+          </a:xfrm>
+          <a:prstGeom prst="curvedConnector2">
+            <a:avLst/>
+          </a:prstGeom>
+          <a:ln>
+            <a:tailEnd type="triangle"/>
+          </a:ln>
+        </p:spPr>
+        <p:style>
+          <a:lnRef idx="1">
+            <a:schemeClr val="accent1"/>
+          </a:lnRef>
+          <a:fillRef idx="0">
+            <a:schemeClr val="accent1"/>
+          </a:fillRef>
+          <a:effectRef idx="0">
+            <a:schemeClr val="accent1"/>
+          </a:effectRef>
+          <a:fontRef idx="minor">
+            <a:schemeClr val="tx1"/>
+          </a:fontRef>
+        </p:style>
+      </p:cxnSp>
+      <p:cxnSp>
+        <p:nvCxnSpPr>
+          <p:cNvPr id="22" name="Curved Connector 21">
+            <a:extLst>
+              <a:ext uri="{FF2B5EF4-FFF2-40B4-BE49-F238E27FC236}">
+                <a16:creationId xmlns:a16="http://schemas.microsoft.com/office/drawing/2014/main" id="{39F9C9E4-8CD4-EB4F-A132-63846D353CDD}"/>
+              </a:ext>
+            </a:extLst>
+          </p:cNvPr>
+          <p:cNvCxnSpPr>
+            <a:cxnSpLocks/>
+            <a:stCxn id="8" idx="4"/>
+            <a:endCxn id="9" idx="2"/>
+          </p:cNvCxnSpPr>
+          <p:nvPr/>
+        </p:nvCxnSpPr>
+        <p:spPr>
+          <a:xfrm rot="16200000" flipH="1">
+            <a:off x="6098267" y="3265786"/>
+            <a:ext cx="1011429" cy="1173617"/>
+          </a:xfrm>
+          <a:prstGeom prst="curvedConnector2">
+            <a:avLst/>
+          </a:prstGeom>
+          <a:ln>
+            <a:tailEnd type="triangle"/>
+          </a:ln>
+        </p:spPr>
+        <p:style>
+          <a:lnRef idx="1">
+            <a:schemeClr val="accent1"/>
+          </a:lnRef>
+          <a:fillRef idx="0">
+            <a:schemeClr val="accent1"/>
+          </a:fillRef>
+          <a:effectRef idx="0">
+            <a:schemeClr val="accent1"/>
+          </a:effectRef>
+          <a:fontRef idx="minor">
+            <a:schemeClr val="tx1"/>
+          </a:fontRef>
+        </p:style>
+      </p:cxnSp>
+      <p:sp>
+        <p:nvSpPr>
+          <p:cNvPr id="26" name="TextBox 25">
+            <a:extLst>
+              <a:ext uri="{FF2B5EF4-FFF2-40B4-BE49-F238E27FC236}">
+                <a16:creationId xmlns:a16="http://schemas.microsoft.com/office/drawing/2014/main" id="{7273A3B6-4529-D440-9BAD-AE7C181CE9EE}"/>
+              </a:ext>
+            </a:extLst>
+          </p:cNvPr>
+          <p:cNvSpPr txBox="1"/>
+          <p:nvPr/>
+        </p:nvSpPr>
+        <p:spPr>
+          <a:xfrm>
+            <a:off x="5653653" y="1967663"/>
+            <a:ext cx="724422" cy="215444"/>
+          </a:xfrm>
+          <a:prstGeom prst="rect">
+            <a:avLst/>
+          </a:prstGeom>
+          <a:noFill/>
+        </p:spPr>
+        <p:txBody>
+          <a:bodyPr wrap="square" rtlCol="0">
+            <a:spAutoFit/>
+          </a:bodyPr>
+          <a:lstStyle/>
+          <a:p>
+            <a:r>
+              <a:rPr lang="en-US" sz="800" dirty="0"/>
+              <a:t>SW4 pressed</a:t>
+            </a:r>
+          </a:p>
+        </p:txBody>
+      </p:sp>
+      <p:sp>
+        <p:nvSpPr>
+          <p:cNvPr id="27" name="TextBox 26">
+            <a:extLst>
+              <a:ext uri="{FF2B5EF4-FFF2-40B4-BE49-F238E27FC236}">
+                <a16:creationId xmlns:a16="http://schemas.microsoft.com/office/drawing/2014/main" id="{8C23507C-61ED-C54C-BC45-098197864DF0}"/>
+              </a:ext>
+            </a:extLst>
+          </p:cNvPr>
+          <p:cNvSpPr txBox="1"/>
+          <p:nvPr/>
+        </p:nvSpPr>
+        <p:spPr>
+          <a:xfrm>
+            <a:off x="5676477" y="3936731"/>
+            <a:ext cx="724422" cy="215444"/>
+          </a:xfrm>
+          <a:prstGeom prst="rect">
+            <a:avLst/>
+          </a:prstGeom>
+          <a:noFill/>
+        </p:spPr>
+        <p:txBody>
+          <a:bodyPr wrap="square" rtlCol="0">
+            <a:spAutoFit/>
+          </a:bodyPr>
+          <a:lstStyle/>
+          <a:p>
+            <a:r>
+              <a:rPr lang="en-US" sz="800" dirty="0"/>
+              <a:t>SW1 pressed</a:t>
+            </a:r>
+          </a:p>
+        </p:txBody>
+      </p:sp>
+      <p:cxnSp>
+        <p:nvCxnSpPr>
+          <p:cNvPr id="28" name="Curved Connector 27">
+            <a:extLst>
+              <a:ext uri="{FF2B5EF4-FFF2-40B4-BE49-F238E27FC236}">
+                <a16:creationId xmlns:a16="http://schemas.microsoft.com/office/drawing/2014/main" id="{60991D50-859A-154A-BC4E-F9D4B546C65B}"/>
+              </a:ext>
+            </a:extLst>
+          </p:cNvPr>
+          <p:cNvCxnSpPr>
+            <a:cxnSpLocks/>
+            <a:stCxn id="9" idx="1"/>
+            <a:endCxn id="8" idx="5"/>
+          </p:cNvCxnSpPr>
+          <p:nvPr/>
+        </p:nvCxnSpPr>
+        <p:spPr>
+          <a:xfrm rot="16200000" flipV="1">
+            <a:off x="6420742" y="3228176"/>
+            <a:ext cx="885882" cy="945740"/>
+          </a:xfrm>
+          <a:prstGeom prst="curvedConnector3">
+            <a:avLst>
+              <a:gd name="adj1" fmla="val 50000"/>
+            </a:avLst>
+          </a:prstGeom>
+          <a:ln>
+            <a:tailEnd type="triangle"/>
+          </a:ln>
+        </p:spPr>
+        <p:style>
+          <a:lnRef idx="1">
+            <a:schemeClr val="accent1"/>
+          </a:lnRef>
+          <a:fillRef idx="0">
+            <a:schemeClr val="accent1"/>
+          </a:fillRef>
+          <a:effectRef idx="0">
+            <a:schemeClr val="accent1"/>
+          </a:effectRef>
+          <a:fontRef idx="minor">
+            <a:schemeClr val="tx1"/>
+          </a:fontRef>
+        </p:style>
+      </p:cxnSp>
+      <p:cxnSp>
+        <p:nvCxnSpPr>
+          <p:cNvPr id="31" name="Curved Connector 30">
+            <a:extLst>
+              <a:ext uri="{FF2B5EF4-FFF2-40B4-BE49-F238E27FC236}">
+                <a16:creationId xmlns:a16="http://schemas.microsoft.com/office/drawing/2014/main" id="{B99E0F73-EF5F-7A4A-8DEA-666B226013EA}"/>
+              </a:ext>
+            </a:extLst>
+          </p:cNvPr>
+          <p:cNvCxnSpPr>
+            <a:cxnSpLocks/>
+            <a:stCxn id="11" idx="3"/>
+            <a:endCxn id="8" idx="7"/>
+          </p:cNvCxnSpPr>
+          <p:nvPr/>
+        </p:nvCxnSpPr>
+        <p:spPr>
+          <a:xfrm rot="5400000">
+            <a:off x="6410261" y="1924903"/>
+            <a:ext cx="885109" cy="924003"/>
+          </a:xfrm>
+          <a:prstGeom prst="curvedConnector3">
+            <a:avLst>
+              <a:gd name="adj1" fmla="val 50000"/>
+            </a:avLst>
+          </a:prstGeom>
+          <a:ln>
+            <a:tailEnd type="triangle"/>
+          </a:ln>
+        </p:spPr>
+        <p:style>
+          <a:lnRef idx="1">
+            <a:schemeClr val="accent1"/>
+          </a:lnRef>
+          <a:fillRef idx="0">
+            <a:schemeClr val="accent1"/>
+          </a:fillRef>
+          <a:effectRef idx="0">
+            <a:schemeClr val="accent1"/>
+          </a:effectRef>
+          <a:fontRef idx="minor">
+            <a:schemeClr val="tx1"/>
+          </a:fontRef>
+        </p:style>
+      </p:cxnSp>
+      <p:sp>
+        <p:nvSpPr>
+          <p:cNvPr id="35" name="TextBox 34">
+            <a:extLst>
+              <a:ext uri="{FF2B5EF4-FFF2-40B4-BE49-F238E27FC236}">
+                <a16:creationId xmlns:a16="http://schemas.microsoft.com/office/drawing/2014/main" id="{DADF24A3-3DF0-014A-8856-41F7648A1CA8}"/>
+              </a:ext>
+            </a:extLst>
+          </p:cNvPr>
+          <p:cNvSpPr txBox="1"/>
+          <p:nvPr/>
+        </p:nvSpPr>
+        <p:spPr>
+          <a:xfrm>
+            <a:off x="6501472" y="3346320"/>
+            <a:ext cx="724422" cy="215444"/>
+          </a:xfrm>
+          <a:prstGeom prst="rect">
+            <a:avLst/>
+          </a:prstGeom>
+          <a:noFill/>
+        </p:spPr>
+        <p:txBody>
+          <a:bodyPr wrap="square" rtlCol="0">
+            <a:spAutoFit/>
+          </a:bodyPr>
+          <a:lstStyle/>
+          <a:p>
+            <a:r>
+              <a:rPr lang="en-US" sz="800" dirty="0"/>
+              <a:t>SW1 pressed</a:t>
+            </a:r>
+          </a:p>
+        </p:txBody>
+      </p:sp>
+      <p:sp>
+        <p:nvSpPr>
+          <p:cNvPr id="36" name="TextBox 35">
+            <a:extLst>
+              <a:ext uri="{FF2B5EF4-FFF2-40B4-BE49-F238E27FC236}">
+                <a16:creationId xmlns:a16="http://schemas.microsoft.com/office/drawing/2014/main" id="{093FE3CE-E5AE-B54B-89BE-9B30C4023D17}"/>
+              </a:ext>
+            </a:extLst>
+          </p:cNvPr>
+          <p:cNvSpPr txBox="1"/>
+          <p:nvPr/>
+        </p:nvSpPr>
+        <p:spPr>
+          <a:xfrm>
+            <a:off x="6513011" y="2437582"/>
+            <a:ext cx="724422" cy="215444"/>
+          </a:xfrm>
+          <a:prstGeom prst="rect">
+            <a:avLst/>
+          </a:prstGeom>
+          <a:noFill/>
+        </p:spPr>
+        <p:txBody>
+          <a:bodyPr wrap="square" rtlCol="0">
+            <a:spAutoFit/>
+          </a:bodyPr>
+          <a:lstStyle/>
+          <a:p>
+            <a:r>
+              <a:rPr lang="en-US" sz="800" dirty="0"/>
+              <a:t>SW4 pressed</a:t>
+            </a:r>
+          </a:p>
+        </p:txBody>
+      </p:sp>
+      <p:cxnSp>
+        <p:nvCxnSpPr>
+          <p:cNvPr id="37" name="Curved Connector 36">
+            <a:extLst>
+              <a:ext uri="{FF2B5EF4-FFF2-40B4-BE49-F238E27FC236}">
+                <a16:creationId xmlns:a16="http://schemas.microsoft.com/office/drawing/2014/main" id="{9C75085D-0425-0C4B-96CE-415AB246F0C4}"/>
+              </a:ext>
+            </a:extLst>
+          </p:cNvPr>
+          <p:cNvCxnSpPr>
+            <a:cxnSpLocks/>
+            <a:stCxn id="11" idx="0"/>
+            <a:endCxn id="4" idx="0"/>
+          </p:cNvCxnSpPr>
+          <p:nvPr/>
+        </p:nvCxnSpPr>
+        <p:spPr>
+          <a:xfrm rot="16200000" flipH="1" flipV="1">
+            <a:off x="5163956" y="216182"/>
+            <a:ext cx="1313755" cy="3735246"/>
+          </a:xfrm>
+          <a:prstGeom prst="curvedConnector3">
+            <a:avLst>
+              <a:gd name="adj1" fmla="val -17401"/>
+            </a:avLst>
+          </a:prstGeom>
+          <a:ln>
+            <a:tailEnd type="triangle"/>
+          </a:ln>
+        </p:spPr>
+        <p:style>
+          <a:lnRef idx="1">
+            <a:schemeClr val="accent1"/>
+          </a:lnRef>
+          <a:fillRef idx="0">
+            <a:schemeClr val="accent1"/>
+          </a:fillRef>
+          <a:effectRef idx="0">
+            <a:schemeClr val="accent1"/>
+          </a:effectRef>
+          <a:fontRef idx="minor">
+            <a:schemeClr val="tx1"/>
+          </a:fontRef>
+        </p:style>
+      </p:cxnSp>
+      <p:cxnSp>
+        <p:nvCxnSpPr>
+          <p:cNvPr id="41" name="Curved Connector 40">
+            <a:extLst>
+              <a:ext uri="{FF2B5EF4-FFF2-40B4-BE49-F238E27FC236}">
+                <a16:creationId xmlns:a16="http://schemas.microsoft.com/office/drawing/2014/main" id="{20104D6C-A9BF-1B44-924F-8A234385B52D}"/>
+              </a:ext>
+            </a:extLst>
+          </p:cNvPr>
+          <p:cNvCxnSpPr>
+            <a:cxnSpLocks/>
+            <a:stCxn id="9" idx="4"/>
+            <a:endCxn id="4" idx="4"/>
+          </p:cNvCxnSpPr>
+          <p:nvPr/>
+        </p:nvCxnSpPr>
+        <p:spPr>
+          <a:xfrm rot="5400000" flipH="1">
+            <a:off x="5163570" y="2136523"/>
+            <a:ext cx="1314528" cy="3735245"/>
+          </a:xfrm>
+          <a:prstGeom prst="curvedConnector3">
+            <a:avLst>
+              <a:gd name="adj1" fmla="val -17390"/>
+            </a:avLst>
+          </a:prstGeom>
+          <a:ln>
+            <a:tailEnd type="triangle"/>
+          </a:ln>
+        </p:spPr>
+        <p:style>
+          <a:lnRef idx="1">
+            <a:schemeClr val="accent1"/>
+          </a:lnRef>
+          <a:fillRef idx="0">
+            <a:schemeClr val="accent1"/>
+          </a:fillRef>
+          <a:effectRef idx="0">
+            <a:schemeClr val="accent1"/>
+          </a:effectRef>
+          <a:fontRef idx="minor">
+            <a:schemeClr val="tx1"/>
+          </a:fontRef>
+        </p:style>
+      </p:cxnSp>
+      <p:sp>
+        <p:nvSpPr>
+          <p:cNvPr id="45" name="TextBox 44">
+            <a:extLst>
+              <a:ext uri="{FF2B5EF4-FFF2-40B4-BE49-F238E27FC236}">
+                <a16:creationId xmlns:a16="http://schemas.microsoft.com/office/drawing/2014/main" id="{8A3E56B8-E517-0145-9461-F11EF26B30C8}"/>
+              </a:ext>
+            </a:extLst>
+          </p:cNvPr>
+          <p:cNvSpPr txBox="1"/>
+          <p:nvPr/>
+        </p:nvSpPr>
+        <p:spPr>
+          <a:xfrm>
+            <a:off x="5503059" y="4948159"/>
+            <a:ext cx="724422" cy="461665"/>
+          </a:xfrm>
+          <a:prstGeom prst="rect">
+            <a:avLst/>
+          </a:prstGeom>
+          <a:noFill/>
+        </p:spPr>
+        <p:txBody>
+          <a:bodyPr wrap="square" rtlCol="0">
+            <a:spAutoFit/>
+          </a:bodyPr>
+          <a:lstStyle/>
+          <a:p>
+            <a:r>
+              <a:rPr lang="en-US" sz="800" dirty="0"/>
+              <a:t>SW2 pressed</a:t>
+            </a:r>
+          </a:p>
+          <a:p>
+            <a:r>
+              <a:rPr lang="en-US" sz="800" dirty="0"/>
+              <a:t>OR</a:t>
+            </a:r>
+          </a:p>
+          <a:p>
+            <a:r>
+              <a:rPr lang="en-US" sz="800" dirty="0"/>
+              <a:t>SW3 pressed</a:t>
+            </a:r>
+          </a:p>
+        </p:txBody>
+      </p:sp>
+      <p:sp>
+        <p:nvSpPr>
+          <p:cNvPr id="46" name="TextBox 45">
+            <a:extLst>
+              <a:ext uri="{FF2B5EF4-FFF2-40B4-BE49-F238E27FC236}">
+                <a16:creationId xmlns:a16="http://schemas.microsoft.com/office/drawing/2014/main" id="{444769C7-D720-FB4F-8E2E-037A06E605F0}"/>
+              </a:ext>
+            </a:extLst>
+          </p:cNvPr>
+          <p:cNvSpPr txBox="1"/>
+          <p:nvPr/>
+        </p:nvSpPr>
+        <p:spPr>
+          <a:xfrm>
+            <a:off x="5503059" y="734149"/>
+            <a:ext cx="724422" cy="461665"/>
+          </a:xfrm>
+          <a:prstGeom prst="rect">
+            <a:avLst/>
+          </a:prstGeom>
+          <a:noFill/>
+        </p:spPr>
+        <p:txBody>
+          <a:bodyPr wrap="square" rtlCol="0">
+            <a:spAutoFit/>
+          </a:bodyPr>
+          <a:lstStyle/>
+          <a:p>
+            <a:r>
+              <a:rPr lang="en-US" sz="800" dirty="0"/>
+              <a:t>SW2 pressed</a:t>
+            </a:r>
+          </a:p>
+          <a:p>
+            <a:r>
+              <a:rPr lang="en-US" sz="800" dirty="0"/>
+              <a:t>OR</a:t>
+            </a:r>
+          </a:p>
+          <a:p>
+            <a:r>
+              <a:rPr lang="en-US" sz="800" dirty="0"/>
+              <a:t>SW3 pressed</a:t>
+            </a:r>
+          </a:p>
+        </p:txBody>
+      </p:sp>
+      <p:cxnSp>
+        <p:nvCxnSpPr>
+          <p:cNvPr id="56" name="Curved Connector 55">
+            <a:extLst>
+              <a:ext uri="{FF2B5EF4-FFF2-40B4-BE49-F238E27FC236}">
+                <a16:creationId xmlns:a16="http://schemas.microsoft.com/office/drawing/2014/main" id="{83708A18-8B0A-6C46-9B46-BC2A86DCCCBF}"/>
+              </a:ext>
+            </a:extLst>
+          </p:cNvPr>
+          <p:cNvCxnSpPr>
+            <a:cxnSpLocks/>
+            <a:stCxn id="11" idx="4"/>
+            <a:endCxn id="9" idx="0"/>
+          </p:cNvCxnSpPr>
+          <p:nvPr/>
+        </p:nvCxnSpPr>
+        <p:spPr>
+          <a:xfrm rot="5400000">
+            <a:off x="6677415" y="3044168"/>
+            <a:ext cx="2022085" cy="1"/>
+          </a:xfrm>
+          <a:prstGeom prst="curvedConnector3">
+            <a:avLst>
+              <a:gd name="adj1" fmla="val 51596"/>
+            </a:avLst>
+          </a:prstGeom>
+          <a:ln>
+            <a:tailEnd type="triangle"/>
+          </a:ln>
+        </p:spPr>
+        <p:style>
+          <a:lnRef idx="1">
+            <a:schemeClr val="accent1"/>
+          </a:lnRef>
+          <a:fillRef idx="0">
+            <a:schemeClr val="accent1"/>
+          </a:fillRef>
+          <a:effectRef idx="0">
+            <a:schemeClr val="accent1"/>
+          </a:effectRef>
+          <a:fontRef idx="minor">
+            <a:schemeClr val="tx1"/>
+          </a:fontRef>
+        </p:style>
+      </p:cxnSp>
+      <p:cxnSp>
+        <p:nvCxnSpPr>
+          <p:cNvPr id="61" name="Curved Connector 60">
+            <a:extLst>
+              <a:ext uri="{FF2B5EF4-FFF2-40B4-BE49-F238E27FC236}">
+                <a16:creationId xmlns:a16="http://schemas.microsoft.com/office/drawing/2014/main" id="{4F4B6322-2121-5D48-9FBE-F60942CB1C9F}"/>
+              </a:ext>
+            </a:extLst>
+          </p:cNvPr>
+          <p:cNvCxnSpPr>
+            <a:cxnSpLocks/>
+            <a:stCxn id="9" idx="6"/>
+            <a:endCxn id="11" idx="6"/>
+          </p:cNvCxnSpPr>
+          <p:nvPr/>
+        </p:nvCxnSpPr>
+        <p:spPr>
+          <a:xfrm flipV="1">
+            <a:off x="8186122" y="1730027"/>
+            <a:ext cx="30742" cy="2628283"/>
+          </a:xfrm>
+          <a:prstGeom prst="curvedConnector3">
+            <a:avLst>
+              <a:gd name="adj1" fmla="val 2418307"/>
+            </a:avLst>
+          </a:prstGeom>
+          <a:ln>
+            <a:tailEnd type="triangle"/>
+          </a:ln>
+        </p:spPr>
+        <p:style>
+          <a:lnRef idx="1">
+            <a:schemeClr val="accent1"/>
+          </a:lnRef>
+          <a:fillRef idx="0">
+            <a:schemeClr val="accent1"/>
+          </a:fillRef>
+          <a:effectRef idx="0">
+            <a:schemeClr val="accent1"/>
+          </a:effectRef>
+          <a:fontRef idx="minor">
+            <a:schemeClr val="tx1"/>
+          </a:fontRef>
+        </p:style>
+      </p:cxnSp>
+      <p:sp>
+        <p:nvSpPr>
+          <p:cNvPr id="66" name="TextBox 65">
+            <a:extLst>
+              <a:ext uri="{FF2B5EF4-FFF2-40B4-BE49-F238E27FC236}">
+                <a16:creationId xmlns:a16="http://schemas.microsoft.com/office/drawing/2014/main" id="{F6DBA7F5-D863-2840-9397-A50716179918}"/>
+              </a:ext>
+            </a:extLst>
+          </p:cNvPr>
+          <p:cNvSpPr txBox="1"/>
+          <p:nvPr/>
+        </p:nvSpPr>
+        <p:spPr>
+          <a:xfrm>
+            <a:off x="7678151" y="2884994"/>
+            <a:ext cx="724422" cy="215444"/>
+          </a:xfrm>
+          <a:prstGeom prst="rect">
+            <a:avLst/>
+          </a:prstGeom>
+          <a:noFill/>
+        </p:spPr>
+        <p:txBody>
+          <a:bodyPr wrap="square" rtlCol="0">
+            <a:spAutoFit/>
+          </a:bodyPr>
+          <a:lstStyle/>
+          <a:p>
+            <a:r>
+              <a:rPr lang="en-US" sz="800" dirty="0"/>
+              <a:t>SW1 pressed</a:t>
+            </a:r>
+          </a:p>
+        </p:txBody>
+      </p:sp>
+      <p:sp>
+        <p:nvSpPr>
+          <p:cNvPr id="71" name="TextBox 70">
+            <a:extLst>
+              <a:ext uri="{FF2B5EF4-FFF2-40B4-BE49-F238E27FC236}">
+                <a16:creationId xmlns:a16="http://schemas.microsoft.com/office/drawing/2014/main" id="{17DEB42C-EB5A-FA4E-8280-793BEAF2725F}"/>
+              </a:ext>
+            </a:extLst>
+          </p:cNvPr>
+          <p:cNvSpPr txBox="1"/>
+          <p:nvPr/>
+        </p:nvSpPr>
+        <p:spPr>
+          <a:xfrm>
+            <a:off x="8921753" y="2884994"/>
+            <a:ext cx="724422" cy="215444"/>
+          </a:xfrm>
+          <a:prstGeom prst="rect">
+            <a:avLst/>
+          </a:prstGeom>
+          <a:noFill/>
+        </p:spPr>
+        <p:txBody>
+          <a:bodyPr wrap="square" rtlCol="0">
+            <a:spAutoFit/>
+          </a:bodyPr>
+          <a:lstStyle/>
+          <a:p>
+            <a:r>
+              <a:rPr lang="en-US" sz="800" dirty="0"/>
+              <a:t>SW4 pressed</a:t>
+            </a:r>
+          </a:p>
+        </p:txBody>
+      </p:sp>
+      <p:cxnSp>
+        <p:nvCxnSpPr>
+          <p:cNvPr id="72" name="Curved Connector 71">
+            <a:extLst>
+              <a:ext uri="{FF2B5EF4-FFF2-40B4-BE49-F238E27FC236}">
+                <a16:creationId xmlns:a16="http://schemas.microsoft.com/office/drawing/2014/main" id="{710EF475-32EC-6547-908B-94C5EB2705F9}"/>
+              </a:ext>
+            </a:extLst>
+          </p:cNvPr>
+          <p:cNvCxnSpPr>
+            <a:cxnSpLocks/>
+            <a:stCxn id="4" idx="1"/>
+            <a:endCxn id="7" idx="6"/>
+          </p:cNvCxnSpPr>
+          <p:nvPr/>
+        </p:nvCxnSpPr>
+        <p:spPr>
+          <a:xfrm rot="16200000" flipV="1">
+            <a:off x="2674495" y="1928654"/>
+            <a:ext cx="1079675" cy="721936"/>
+          </a:xfrm>
+          <a:prstGeom prst="curvedConnector2">
+            <a:avLst/>
+          </a:prstGeom>
+          <a:ln>
+            <a:tailEnd type="triangle"/>
+          </a:ln>
+        </p:spPr>
+        <p:style>
+          <a:lnRef idx="1">
+            <a:schemeClr val="accent1"/>
+          </a:lnRef>
+          <a:fillRef idx="0">
+            <a:schemeClr val="accent1"/>
+          </a:fillRef>
+          <a:effectRef idx="0">
+            <a:schemeClr val="accent1"/>
+          </a:effectRef>
+          <a:fontRef idx="minor">
+            <a:schemeClr val="tx1"/>
+          </a:fontRef>
+        </p:style>
+      </p:cxnSp>
+      <p:cxnSp>
+        <p:nvCxnSpPr>
+          <p:cNvPr id="77" name="Curved Connector 76">
+            <a:extLst>
+              <a:ext uri="{FF2B5EF4-FFF2-40B4-BE49-F238E27FC236}">
+                <a16:creationId xmlns:a16="http://schemas.microsoft.com/office/drawing/2014/main" id="{6FD959C7-6E23-0543-8479-22BE6854A007}"/>
+              </a:ext>
+            </a:extLst>
+          </p:cNvPr>
+          <p:cNvCxnSpPr>
+            <a:cxnSpLocks/>
+            <a:stCxn id="4" idx="3"/>
+            <a:endCxn id="6" idx="6"/>
+          </p:cNvCxnSpPr>
+          <p:nvPr/>
+        </p:nvCxnSpPr>
+        <p:spPr>
+          <a:xfrm rot="5400000">
+            <a:off x="2669609" y="3441860"/>
+            <a:ext cx="1089447" cy="721937"/>
+          </a:xfrm>
+          <a:prstGeom prst="curvedConnector2">
+            <a:avLst/>
+          </a:prstGeom>
+          <a:ln>
+            <a:tailEnd type="triangle"/>
+          </a:ln>
+        </p:spPr>
+        <p:style>
+          <a:lnRef idx="1">
+            <a:schemeClr val="accent1"/>
+          </a:lnRef>
+          <a:fillRef idx="0">
+            <a:schemeClr val="accent1"/>
+          </a:fillRef>
+          <a:effectRef idx="0">
+            <a:schemeClr val="accent1"/>
+          </a:effectRef>
+          <a:fontRef idx="minor">
+            <a:schemeClr val="tx1"/>
+          </a:fontRef>
+        </p:style>
+      </p:cxnSp>
+      <p:cxnSp>
+        <p:nvCxnSpPr>
+          <p:cNvPr id="80" name="Curved Connector 79">
+            <a:extLst>
+              <a:ext uri="{FF2B5EF4-FFF2-40B4-BE49-F238E27FC236}">
+                <a16:creationId xmlns:a16="http://schemas.microsoft.com/office/drawing/2014/main" id="{8EC01553-2E57-A944-8242-53ECA1E25316}"/>
+              </a:ext>
+            </a:extLst>
+          </p:cNvPr>
+          <p:cNvCxnSpPr>
+            <a:cxnSpLocks/>
+            <a:stCxn id="6" idx="0"/>
+            <a:endCxn id="4" idx="2"/>
+          </p:cNvCxnSpPr>
+          <p:nvPr/>
+        </p:nvCxnSpPr>
+        <p:spPr>
+          <a:xfrm rot="5400000" flipH="1" flipV="1">
+            <a:off x="2371525" y="2997214"/>
+            <a:ext cx="1000671" cy="1093808"/>
+          </a:xfrm>
+          <a:prstGeom prst="curvedConnector2">
+            <a:avLst/>
+          </a:prstGeom>
+          <a:ln>
+            <a:tailEnd type="triangle"/>
+          </a:ln>
+        </p:spPr>
+        <p:style>
+          <a:lnRef idx="1">
+            <a:schemeClr val="accent1"/>
+          </a:lnRef>
+          <a:fillRef idx="0">
+            <a:schemeClr val="accent1"/>
+          </a:fillRef>
+          <a:effectRef idx="0">
+            <a:schemeClr val="accent1"/>
+          </a:effectRef>
+          <a:fontRef idx="minor">
+            <a:schemeClr val="tx1"/>
+          </a:fontRef>
+        </p:style>
+      </p:cxnSp>
+      <p:cxnSp>
+        <p:nvCxnSpPr>
+          <p:cNvPr id="83" name="Curved Connector 82">
+            <a:extLst>
+              <a:ext uri="{FF2B5EF4-FFF2-40B4-BE49-F238E27FC236}">
+                <a16:creationId xmlns:a16="http://schemas.microsoft.com/office/drawing/2014/main" id="{B2B745AE-55C0-424B-92D4-F48D206034A4}"/>
+              </a:ext>
+            </a:extLst>
+          </p:cNvPr>
+          <p:cNvCxnSpPr>
+            <a:cxnSpLocks/>
+            <a:stCxn id="7" idx="4"/>
+            <a:endCxn id="4" idx="2"/>
+          </p:cNvCxnSpPr>
+          <p:nvPr/>
+        </p:nvCxnSpPr>
+        <p:spPr>
+          <a:xfrm rot="16200000" flipH="1">
+            <a:off x="2376411" y="2001428"/>
+            <a:ext cx="990899" cy="1093807"/>
+          </a:xfrm>
+          <a:prstGeom prst="curvedConnector2">
+            <a:avLst/>
+          </a:prstGeom>
+          <a:ln>
+            <a:tailEnd type="triangle"/>
+          </a:ln>
+        </p:spPr>
+        <p:style>
+          <a:lnRef idx="1">
+            <a:schemeClr val="accent1"/>
+          </a:lnRef>
+          <a:fillRef idx="0">
+            <a:schemeClr val="accent1"/>
+          </a:fillRef>
+          <a:effectRef idx="0">
+            <a:schemeClr val="accent1"/>
+          </a:effectRef>
+          <a:fontRef idx="minor">
+            <a:schemeClr val="tx1"/>
+          </a:fontRef>
+        </p:style>
+      </p:cxnSp>
+      <p:sp>
+        <p:nvSpPr>
+          <p:cNvPr id="86" name="TextBox 85">
+            <a:extLst>
+              <a:ext uri="{FF2B5EF4-FFF2-40B4-BE49-F238E27FC236}">
+                <a16:creationId xmlns:a16="http://schemas.microsoft.com/office/drawing/2014/main" id="{F29CE1BC-9121-974C-A6D8-77BE66D912F7}"/>
+              </a:ext>
+            </a:extLst>
+          </p:cNvPr>
+          <p:cNvSpPr txBox="1"/>
+          <p:nvPr/>
+        </p:nvSpPr>
+        <p:spPr>
+          <a:xfrm>
+            <a:off x="3093334" y="1685888"/>
+            <a:ext cx="724422" cy="215444"/>
+          </a:xfrm>
+          <a:prstGeom prst="rect">
+            <a:avLst/>
+          </a:prstGeom>
+          <a:noFill/>
+        </p:spPr>
+        <p:txBody>
+          <a:bodyPr wrap="square" rtlCol="0">
+            <a:spAutoFit/>
+          </a:bodyPr>
+          <a:lstStyle/>
+          <a:p>
+            <a:r>
+              <a:rPr lang="en-US" sz="800" dirty="0"/>
+              <a:t>SW2 pressed</a:t>
+            </a:r>
+          </a:p>
+        </p:txBody>
+      </p:sp>
+      <p:sp>
+        <p:nvSpPr>
+          <p:cNvPr id="87" name="TextBox 86">
+            <a:extLst>
+              <a:ext uri="{FF2B5EF4-FFF2-40B4-BE49-F238E27FC236}">
+                <a16:creationId xmlns:a16="http://schemas.microsoft.com/office/drawing/2014/main" id="{BE331E5B-BD2F-3549-B3F7-E870CA6DFEA4}"/>
+              </a:ext>
+            </a:extLst>
+          </p:cNvPr>
+          <p:cNvSpPr txBox="1"/>
+          <p:nvPr/>
+        </p:nvSpPr>
+        <p:spPr>
+          <a:xfrm>
+            <a:off x="3093334" y="4186232"/>
+            <a:ext cx="724422" cy="215444"/>
+          </a:xfrm>
+          <a:prstGeom prst="rect">
+            <a:avLst/>
+          </a:prstGeom>
+          <a:noFill/>
+        </p:spPr>
+        <p:txBody>
+          <a:bodyPr wrap="square" rtlCol="0">
+            <a:spAutoFit/>
+          </a:bodyPr>
+          <a:lstStyle/>
+          <a:p>
+            <a:r>
+              <a:rPr lang="en-US" sz="800" dirty="0"/>
+              <a:t>SW3 pressed</a:t>
             </a:r>
           </a:p>
         </p:txBody>
@@ -3500,7 +4606,7 @@
     </p:spTree>
     <p:extLst>
       <p:ext uri="{BB962C8B-B14F-4D97-AF65-F5344CB8AC3E}">
-        <p14:creationId xmlns:p14="http://schemas.microsoft.com/office/powerpoint/2010/main" val="656358667"/>
+        <p14:creationId xmlns:p14="http://schemas.microsoft.com/office/powerpoint/2010/main" val="1526034527"/>
       </p:ext>
     </p:extLst>
   </p:cSld>
